--- a/SFML 던그리드 모작 팀 프로젝트(민지규, 박지광, 황규영) 발표 자료 - 민지규.pptx
+++ b/SFML 던그리드 모작 팀 프로젝트(민지규, 박지광, 황규영) 발표 자료 - 민지규.pptx
@@ -5,31 +5,26 @@
     <p:sldMasterId id="2147483660" r:id="rId1"/>
   </p:sldMasterIdLst>
   <p:sldIdLst>
-    <p:sldId id="256" r:id="rId2"/>
-    <p:sldId id="257" r:id="rId3"/>
-    <p:sldId id="258" r:id="rId4"/>
-    <p:sldId id="262" r:id="rId5"/>
-    <p:sldId id="263" r:id="rId6"/>
-    <p:sldId id="271" r:id="rId7"/>
-    <p:sldId id="272" r:id="rId8"/>
-    <p:sldId id="264" r:id="rId9"/>
-    <p:sldId id="261" r:id="rId10"/>
-    <p:sldId id="268" r:id="rId11"/>
-    <p:sldId id="269" r:id="rId12"/>
+    <p:sldId id="264" r:id="rId2"/>
+    <p:sldId id="267" r:id="rId3"/>
+    <p:sldId id="268" r:id="rId4"/>
+    <p:sldId id="269" r:id="rId5"/>
+    <p:sldId id="265" r:id="rId6"/>
+    <p:sldId id="266" r:id="rId7"/>
   </p:sldIdLst>
   <p:sldSz cx="12192000" cy="6858000"/>
   <p:notesSz cx="6858000" cy="9144000"/>
   <p:embeddedFontLst>
     <p:embeddedFont>
       <p:font typeface="Century Schoolbook" panose="02040604050505020304" pitchFamily="18" charset="0"/>
-      <p:regular r:id="rId13"/>
-      <p:bold r:id="rId14"/>
-      <p:italic r:id="rId15"/>
-      <p:boldItalic r:id="rId16"/>
+      <p:regular r:id="rId8"/>
+      <p:bold r:id="rId9"/>
+      <p:italic r:id="rId10"/>
+      <p:boldItalic r:id="rId11"/>
     </p:embeddedFont>
     <p:embeddedFont>
       <p:font typeface="Wingdings 2" panose="05020102010507070707" pitchFamily="18" charset="2"/>
-      <p:regular r:id="rId17"/>
+      <p:regular r:id="rId12"/>
     </p:embeddedFont>
   </p:embeddedFontLst>
   <p:defaultTextStyle>
@@ -528,7 +523,7 @@
           <a:p>
             <a:fld id="{010A0EC7-C1CC-42C8-AFB7-240F4BAB930A}" type="datetimeFigureOut">
               <a:rPr lang="ko-KR" altLang="en-US" smtClean="0"/>
-              <a:t>2024-12-08</a:t>
+              <a:t>2024-12-08 (Sun)</a:t>
             </a:fld>
             <a:endParaRPr lang="ko-KR" altLang="en-US"/>
           </a:p>
@@ -756,7 +751,7 @@
           <a:p>
             <a:fld id="{010A0EC7-C1CC-42C8-AFB7-240F4BAB930A}" type="datetimeFigureOut">
               <a:rPr lang="ko-KR" altLang="en-US" smtClean="0"/>
-              <a:t>2024-12-08</a:t>
+              <a:t>2024-12-08 (Sun)</a:t>
             </a:fld>
             <a:endParaRPr lang="ko-KR" altLang="en-US"/>
           </a:p>
@@ -936,7 +931,7 @@
           <a:p>
             <a:fld id="{010A0EC7-C1CC-42C8-AFB7-240F4BAB930A}" type="datetimeFigureOut">
               <a:rPr lang="ko-KR" altLang="en-US" smtClean="0"/>
-              <a:t>2024-12-08</a:t>
+              <a:t>2024-12-08 (Sun)</a:t>
             </a:fld>
             <a:endParaRPr lang="ko-KR" altLang="en-US"/>
           </a:p>
@@ -1106,7 +1101,7 @@
           <a:p>
             <a:fld id="{010A0EC7-C1CC-42C8-AFB7-240F4BAB930A}" type="datetimeFigureOut">
               <a:rPr lang="ko-KR" altLang="en-US" smtClean="0"/>
-              <a:t>2024-12-08</a:t>
+              <a:t>2024-12-08 (Sun)</a:t>
             </a:fld>
             <a:endParaRPr lang="ko-KR" altLang="en-US"/>
           </a:p>
@@ -1360,7 +1355,7 @@
           <a:p>
             <a:fld id="{010A0EC7-C1CC-42C8-AFB7-240F4BAB930A}" type="datetimeFigureOut">
               <a:rPr lang="ko-KR" altLang="en-US" smtClean="0"/>
-              <a:t>2024-12-08</a:t>
+              <a:t>2024-12-08 (Sun)</a:t>
             </a:fld>
             <a:endParaRPr lang="ko-KR" altLang="en-US"/>
           </a:p>
@@ -1686,7 +1681,7 @@
           <a:p>
             <a:fld id="{010A0EC7-C1CC-42C8-AFB7-240F4BAB930A}" type="datetimeFigureOut">
               <a:rPr lang="ko-KR" altLang="en-US" smtClean="0"/>
-              <a:t>2024-12-08</a:t>
+              <a:t>2024-12-08 (Sun)</a:t>
             </a:fld>
             <a:endParaRPr lang="ko-KR" altLang="en-US"/>
           </a:p>
@@ -2137,7 +2132,7 @@
           <a:p>
             <a:fld id="{010A0EC7-C1CC-42C8-AFB7-240F4BAB930A}" type="datetimeFigureOut">
               <a:rPr lang="ko-KR" altLang="en-US" smtClean="0"/>
-              <a:t>2024-12-08</a:t>
+              <a:t>2024-12-08 (Sun)</a:t>
             </a:fld>
             <a:endParaRPr lang="ko-KR" altLang="en-US"/>
           </a:p>
@@ -2255,7 +2250,7 @@
           <a:p>
             <a:fld id="{010A0EC7-C1CC-42C8-AFB7-240F4BAB930A}" type="datetimeFigureOut">
               <a:rPr lang="ko-KR" altLang="en-US" smtClean="0"/>
-              <a:t>2024-12-08</a:t>
+              <a:t>2024-12-08 (Sun)</a:t>
             </a:fld>
             <a:endParaRPr lang="ko-KR" altLang="en-US"/>
           </a:p>
@@ -2350,7 +2345,7 @@
           <a:p>
             <a:fld id="{010A0EC7-C1CC-42C8-AFB7-240F4BAB930A}" type="datetimeFigureOut">
               <a:rPr lang="ko-KR" altLang="en-US" smtClean="0"/>
-              <a:t>2024-12-08</a:t>
+              <a:t>2024-12-08 (Sun)</a:t>
             </a:fld>
             <a:endParaRPr lang="ko-KR" altLang="en-US"/>
           </a:p>
@@ -2637,7 +2632,7 @@
           <a:p>
             <a:fld id="{010A0EC7-C1CC-42C8-AFB7-240F4BAB930A}" type="datetimeFigureOut">
               <a:rPr lang="ko-KR" altLang="en-US" smtClean="0"/>
-              <a:t>2024-12-08</a:t>
+              <a:t>2024-12-08 (Sun)</a:t>
             </a:fld>
             <a:endParaRPr lang="ko-KR" altLang="en-US"/>
           </a:p>
@@ -2959,7 +2954,7 @@
           <a:p>
             <a:fld id="{010A0EC7-C1CC-42C8-AFB7-240F4BAB930A}" type="datetimeFigureOut">
               <a:rPr lang="ko-KR" altLang="en-US" smtClean="0"/>
-              <a:t>2024-12-08</a:t>
+              <a:t>2024-12-08 (Sun)</a:t>
             </a:fld>
             <a:endParaRPr lang="ko-KR" altLang="en-US"/>
           </a:p>
@@ -3213,7 +3208,7 @@
           <a:p>
             <a:fld id="{010A0EC7-C1CC-42C8-AFB7-240F4BAB930A}" type="datetimeFigureOut">
               <a:rPr lang="ko-KR" altLang="en-US" smtClean="0"/>
-              <a:t>2024-12-08</a:t>
+              <a:t>2024-12-08 (Sun)</a:t>
             </a:fld>
             <a:endParaRPr lang="ko-KR" altLang="en-US"/>
           </a:p>
@@ -3706,7 +3701,7 @@
           <p:cNvPr id="2" name="제목 1">
             <a:extLst>
               <a:ext uri="{FF2B5EF4-FFF2-40B4-BE49-F238E27FC236}">
-                <a16:creationId xmlns:a16="http://schemas.microsoft.com/office/drawing/2014/main" id="{C5BCC2C8-6C64-AE99-ECA2-8F9FEDCE0E56}"/>
+                <a16:creationId xmlns:a16="http://schemas.microsoft.com/office/drawing/2014/main" id="{1649AA7B-DA4A-BA85-7019-5E387CB348C6}"/>
               </a:ext>
             </a:extLst>
           </p:cNvPr>
@@ -3714,77 +3709,232 @@
             <a:spLocks noGrp="1"/>
           </p:cNvSpPr>
           <p:nvPr>
-            <p:ph type="ctrTitle"/>
-          </p:nvPr>
-        </p:nvSpPr>
-        <p:spPr/>
-        <p:txBody>
-          <a:bodyPr anchor="ctr" anchorCtr="0"/>
-          <a:lstStyle/>
-          <a:p>
-            <a:r>
-              <a:rPr lang="ko-KR" altLang="en-US" dirty="0" err="1"/>
-              <a:t>던그리드</a:t>
-            </a:r>
-            <a:br>
+            <p:ph type="title"/>
+          </p:nvPr>
+        </p:nvSpPr>
+        <p:spPr>
+          <a:xfrm>
+            <a:off x="750898" y="626152"/>
+            <a:ext cx="9692640" cy="1325562"/>
+          </a:xfrm>
+        </p:spPr>
+        <p:txBody>
+          <a:bodyPr/>
+          <a:lstStyle/>
+          <a:p>
+            <a:r>
+              <a:rPr lang="ko-KR" altLang="en-US" dirty="0"/>
+              <a:t>구현 내용 </a:t>
+            </a:r>
+            <a:r>
               <a:rPr lang="en-US" altLang="ko-KR" dirty="0"/>
-            </a:br>
+              <a:t>– </a:t>
+            </a:r>
             <a:r>
               <a:rPr lang="ko-KR" altLang="en-US" dirty="0"/>
-              <a:t>모작</a:t>
-            </a:r>
-          </a:p>
-        </p:txBody>
-      </p:sp>
-      <p:sp>
-        <p:nvSpPr>
-          <p:cNvPr id="3" name="부제목 2">
+              <a:t>몬스터 상태패턴 </a:t>
+            </a:r>
+            <a:r>
+              <a:rPr lang="en-US" altLang="ko-KR" dirty="0"/>
+              <a:t>(</a:t>
+            </a:r>
+            <a:r>
+              <a:rPr lang="ko-KR" altLang="en-US" dirty="0"/>
+              <a:t>민지규</a:t>
+            </a:r>
+            <a:r>
+              <a:rPr lang="en-US" altLang="ko-KR" dirty="0"/>
+              <a:t>)</a:t>
+            </a:r>
+            <a:endParaRPr lang="ko-KR" altLang="en-US" dirty="0"/>
+          </a:p>
+        </p:txBody>
+      </p:sp>
+      <p:pic>
+        <p:nvPicPr>
+          <p:cNvPr id="5" name="내용 개체 틀 4" descr="텍스트, 스크린샷, 폰트, 디자인이(가) 표시된 사진&#10;&#10;자동 생성된 설명">
             <a:extLst>
               <a:ext uri="{FF2B5EF4-FFF2-40B4-BE49-F238E27FC236}">
-                <a16:creationId xmlns:a16="http://schemas.microsoft.com/office/drawing/2014/main" id="{2848F2AA-C6CF-7679-7E7B-7A9644B9F929}"/>
+                <a16:creationId xmlns:a16="http://schemas.microsoft.com/office/drawing/2014/main" id="{FB120F24-18BA-5D36-EF9A-D395B23F4CD0}"/>
               </a:ext>
             </a:extLst>
           </p:cNvPr>
-          <p:cNvSpPr>
-            <a:spLocks noGrp="1"/>
-          </p:cNvSpPr>
-          <p:nvPr>
-            <p:ph type="subTitle" idx="1"/>
-          </p:nvPr>
-        </p:nvSpPr>
-        <p:spPr/>
-        <p:txBody>
-          <a:bodyPr anchor="b" anchorCtr="0"/>
-          <a:lstStyle/>
-          <a:p>
-            <a:pPr algn="r"/>
-            <a:r>
-              <a:rPr lang="ko-KR" altLang="en-US" dirty="0" err="1"/>
-              <a:t>민지규</a:t>
-            </a:r>
-            <a:r>
-              <a:rPr lang="en-US" altLang="ko-KR" dirty="0"/>
-              <a:t>, </a:t>
-            </a:r>
-            <a:r>
-              <a:rPr lang="ko-KR" altLang="en-US" dirty="0" err="1"/>
-              <a:t>박지광</a:t>
-            </a:r>
-            <a:r>
-              <a:rPr lang="en-US" altLang="ko-KR" dirty="0"/>
-              <a:t>, </a:t>
-            </a:r>
-            <a:r>
-              <a:rPr lang="ko-KR" altLang="en-US" dirty="0"/>
-              <a:t>황규영</a:t>
-            </a:r>
+          <p:cNvPicPr>
+            <a:picLocks noGrp="1" noChangeAspect="1"/>
+          </p:cNvPicPr>
+          <p:nvPr>
+            <p:ph idx="1"/>
+          </p:nvPr>
+        </p:nvPicPr>
+        <p:blipFill>
+          <a:blip r:embed="rId2">
+            <a:extLst>
+              <a:ext uri="{28A0092B-C50C-407E-A947-70E740481C1C}">
+                <a14:useLocalDpi xmlns:a14="http://schemas.microsoft.com/office/drawing/2010/main" val="0"/>
+              </a:ext>
+            </a:extLst>
+          </a:blip>
+          <a:stretch>
+            <a:fillRect/>
+          </a:stretch>
+        </p:blipFill>
+        <p:spPr>
+          <a:xfrm>
+            <a:off x="864314" y="3913876"/>
+            <a:ext cx="1835244" cy="1809843"/>
+          </a:xfrm>
+        </p:spPr>
+      </p:pic>
+      <p:pic>
+        <p:nvPicPr>
+          <p:cNvPr id="7" name="그림 6" descr="텍스트, 폰트, 스크린샷이(가) 표시된 사진&#10;&#10;자동 생성된 설명">
+            <a:extLst>
+              <a:ext uri="{FF2B5EF4-FFF2-40B4-BE49-F238E27FC236}">
+                <a16:creationId xmlns:a16="http://schemas.microsoft.com/office/drawing/2014/main" id="{1DE97FA3-3924-46CA-E674-C80E7CB0DEA4}"/>
+              </a:ext>
+            </a:extLst>
+          </p:cNvPr>
+          <p:cNvPicPr>
+            <a:picLocks noChangeAspect="1"/>
+          </p:cNvPicPr>
+          <p:nvPr/>
+        </p:nvPicPr>
+        <p:blipFill>
+          <a:blip r:embed="rId3">
+            <a:extLst>
+              <a:ext uri="{28A0092B-C50C-407E-A947-70E740481C1C}">
+                <a14:useLocalDpi xmlns:a14="http://schemas.microsoft.com/office/drawing/2010/main" val="0"/>
+              </a:ext>
+            </a:extLst>
+          </a:blip>
+          <a:stretch>
+            <a:fillRect/>
+          </a:stretch>
+        </p:blipFill>
+        <p:spPr>
+          <a:xfrm>
+            <a:off x="3294118" y="3917051"/>
+            <a:ext cx="3181514" cy="901746"/>
+          </a:xfrm>
+          <a:prstGeom prst="rect">
+            <a:avLst/>
+          </a:prstGeom>
+        </p:spPr>
+      </p:pic>
+      <p:sp>
+        <p:nvSpPr>
+          <p:cNvPr id="10" name="제목 1">
+            <a:extLst>
+              <a:ext uri="{FF2B5EF4-FFF2-40B4-BE49-F238E27FC236}">
+                <a16:creationId xmlns:a16="http://schemas.microsoft.com/office/drawing/2014/main" id="{16885FDA-7393-695B-3919-4C1F85E923D8}"/>
+              </a:ext>
+            </a:extLst>
+          </p:cNvPr>
+          <p:cNvSpPr txBox="1">
+            <a:spLocks/>
+          </p:cNvSpPr>
+          <p:nvPr/>
+        </p:nvSpPr>
+        <p:spPr>
+          <a:xfrm>
+            <a:off x="708508" y="429950"/>
+            <a:ext cx="10356014" cy="3421430"/>
+          </a:xfrm>
+          <a:prstGeom prst="rect">
+            <a:avLst/>
+          </a:prstGeom>
+        </p:spPr>
+        <p:txBody>
+          <a:bodyPr vert="horz" lIns="91440" tIns="45720" rIns="91440" bIns="45720" rtlCol="0" anchor="b">
+            <a:normAutofit/>
+          </a:bodyPr>
+          <a:lstStyle>
+            <a:lvl1pPr algn="l" defTabSz="914400" rtl="0" eaLnBrk="1" latinLnBrk="1" hangingPunct="1">
+              <a:lnSpc>
+                <a:spcPct val="90000"/>
+              </a:lnSpc>
+              <a:spcBef>
+                <a:spcPct val="0"/>
+              </a:spcBef>
+              <a:buNone/>
+              <a:defRPr sz="4400" kern="1200" spc="-50" baseline="0">
+                <a:solidFill>
+                  <a:schemeClr val="tx1"/>
+                </a:solidFill>
+                <a:latin typeface="+mj-lt"/>
+                <a:ea typeface="+mj-ea"/>
+                <a:cs typeface="+mj-cs"/>
+              </a:defRPr>
+            </a:lvl1pPr>
+          </a:lstStyle>
+          <a:p>
+            <a:endParaRPr lang="ko-KR" altLang="en-US" dirty="0"/>
+          </a:p>
+        </p:txBody>
+      </p:sp>
+      <p:sp>
+        <p:nvSpPr>
+          <p:cNvPr id="11" name="제목 1">
+            <a:extLst>
+              <a:ext uri="{FF2B5EF4-FFF2-40B4-BE49-F238E27FC236}">
+                <a16:creationId xmlns:a16="http://schemas.microsoft.com/office/drawing/2014/main" id="{9E1B8191-C311-98AC-24C1-ABDFFBE4BD65}"/>
+              </a:ext>
+            </a:extLst>
+          </p:cNvPr>
+          <p:cNvSpPr txBox="1">
+            <a:spLocks/>
+          </p:cNvSpPr>
+          <p:nvPr/>
+        </p:nvSpPr>
+        <p:spPr>
+          <a:xfrm>
+            <a:off x="750898" y="1705063"/>
+            <a:ext cx="9692640" cy="1325562"/>
+          </a:xfrm>
+          <a:prstGeom prst="rect">
+            <a:avLst/>
+          </a:prstGeom>
+        </p:spPr>
+        <p:txBody>
+          <a:bodyPr vert="horz" lIns="91440" tIns="45720" rIns="91440" bIns="45720" rtlCol="0" anchor="b">
+            <a:normAutofit/>
+          </a:bodyPr>
+          <a:lstStyle>
+            <a:lvl1pPr algn="l" defTabSz="914400" rtl="0" eaLnBrk="1" latinLnBrk="1" hangingPunct="1">
+              <a:lnSpc>
+                <a:spcPct val="90000"/>
+              </a:lnSpc>
+              <a:spcBef>
+                <a:spcPct val="0"/>
+              </a:spcBef>
+              <a:buNone/>
+              <a:defRPr sz="4400" kern="1200" spc="-50" baseline="0">
+                <a:solidFill>
+                  <a:schemeClr val="tx1"/>
+                </a:solidFill>
+                <a:latin typeface="+mj-lt"/>
+                <a:ea typeface="+mj-ea"/>
+                <a:cs typeface="+mj-cs"/>
+              </a:defRPr>
+            </a:lvl1pPr>
+          </a:lstStyle>
+          <a:p>
+            <a:r>
+              <a:rPr lang="ko-KR" altLang="en-US" sz="1800" dirty="0"/>
+              <a:t>몬스터의 행동을 상태 패턴 기반으로 행동하게 하였다</a:t>
+            </a:r>
+            <a:r>
+              <a:rPr lang="en-US" altLang="ko-KR" sz="1800" dirty="0"/>
+              <a:t>.</a:t>
+            </a:r>
+            <a:endParaRPr lang="ko-KR" altLang="en-US" sz="1800" dirty="0"/>
           </a:p>
         </p:txBody>
       </p:sp>
     </p:spTree>
     <p:extLst>
       <p:ext uri="{BB962C8B-B14F-4D97-AF65-F5344CB8AC3E}">
-        <p14:creationId xmlns:p14="http://schemas.microsoft.com/office/powerpoint/2010/main" val="500432649"/>
+        <p14:creationId xmlns:p14="http://schemas.microsoft.com/office/powerpoint/2010/main" val="2184540906"/>
       </p:ext>
     </p:extLst>
   </p:cSld>
@@ -3794,76 +3944,7 @@
 </p:sld>
 </file>
 
-<file path=ppt/slides/slide10.xml><?xml version="1.0" encoding="utf-8"?>
-<p:sld xmlns:a="http://schemas.openxmlformats.org/drawingml/2006/main" xmlns:r="http://schemas.openxmlformats.org/officeDocument/2006/relationships" xmlns:p="http://schemas.openxmlformats.org/presentationml/2006/main">
-  <p:cSld>
-    <p:spTree>
-      <p:nvGrpSpPr>
-        <p:cNvPr id="1" name=""/>
-        <p:cNvGrpSpPr/>
-        <p:nvPr/>
-      </p:nvGrpSpPr>
-      <p:grpSpPr>
-        <a:xfrm>
-          <a:off x="0" y="0"/>
-          <a:ext cx="0" cy="0"/>
-          <a:chOff x="0" y="0"/>
-          <a:chExt cx="0" cy="0"/>
-        </a:xfrm>
-      </p:grpSpPr>
-      <p:sp>
-        <p:nvSpPr>
-          <p:cNvPr id="3" name="내용 개체 틀 2">
-            <a:extLst>
-              <a:ext uri="{FF2B5EF4-FFF2-40B4-BE49-F238E27FC236}">
-                <a16:creationId xmlns:a16="http://schemas.microsoft.com/office/drawing/2014/main" id="{1ED05F37-68BA-E885-41E0-5F5C1B48FADE}"/>
-              </a:ext>
-            </a:extLst>
-          </p:cNvPr>
-          <p:cNvSpPr>
-            <a:spLocks noGrp="1"/>
-          </p:cNvSpPr>
-          <p:nvPr>
-            <p:ph idx="1"/>
-          </p:nvPr>
-        </p:nvSpPr>
-        <p:spPr>
-          <a:xfrm>
-            <a:off x="1261872" y="365760"/>
-            <a:ext cx="8595360" cy="5814377"/>
-          </a:xfrm>
-        </p:spPr>
-        <p:txBody>
-          <a:bodyPr anchor="ctr" anchorCtr="0">
-            <a:normAutofit/>
-          </a:bodyPr>
-          <a:lstStyle/>
-          <a:p>
-            <a:pPr marL="0" indent="0" algn="ctr">
-              <a:buNone/>
-            </a:pPr>
-            <a:r>
-              <a:rPr lang="en-US" altLang="ko-KR" sz="11500"/>
-              <a:t>Q&amp;A</a:t>
-            </a:r>
-            <a:endParaRPr lang="ko-KR" altLang="en-US" sz="11500"/>
-          </a:p>
-        </p:txBody>
-      </p:sp>
-    </p:spTree>
-    <p:extLst>
-      <p:ext uri="{BB962C8B-B14F-4D97-AF65-F5344CB8AC3E}">
-        <p14:creationId xmlns:p14="http://schemas.microsoft.com/office/powerpoint/2010/main" val="1819617275"/>
-      </p:ext>
-    </p:extLst>
-  </p:cSld>
-  <p:clrMapOvr>
-    <a:masterClrMapping/>
-  </p:clrMapOvr>
-</p:sld>
-</file>
-
-<file path=ppt/slides/slide11.xml><?xml version="1.0" encoding="utf-8"?>
+<file path=ppt/slides/slide2.xml><?xml version="1.0" encoding="utf-8"?>
 <p:sld xmlns:a="http://schemas.openxmlformats.org/drawingml/2006/main" xmlns:r="http://schemas.openxmlformats.org/officeDocument/2006/relationships" xmlns:p="http://schemas.openxmlformats.org/presentationml/2006/main">
   <p:cSld>
     <p:spTree>
@@ -3871,7 +3952,7 @@
         <p:cNvPr id="1" name="">
           <a:extLst>
             <a:ext uri="{FF2B5EF4-FFF2-40B4-BE49-F238E27FC236}">
-              <a16:creationId xmlns:a16="http://schemas.microsoft.com/office/drawing/2014/main" id="{5B584EBE-F781-6652-A243-9F12FC74610E}"/>
+              <a16:creationId xmlns:a16="http://schemas.microsoft.com/office/drawing/2014/main" id="{28F1DE55-8DC6-E382-16F7-AA75FA0642AF}"/>
             </a:ext>
           </a:extLst>
         </p:cNvPr>
@@ -3888,10 +3969,59 @@
       </p:grpSpPr>
       <p:sp>
         <p:nvSpPr>
+          <p:cNvPr id="2" name="제목 1">
+            <a:extLst>
+              <a:ext uri="{FF2B5EF4-FFF2-40B4-BE49-F238E27FC236}">
+                <a16:creationId xmlns:a16="http://schemas.microsoft.com/office/drawing/2014/main" id="{812CF639-D999-0B14-39F8-BB8A9C6AD12F}"/>
+              </a:ext>
+            </a:extLst>
+          </p:cNvPr>
+          <p:cNvSpPr>
+            <a:spLocks noGrp="1"/>
+          </p:cNvSpPr>
+          <p:nvPr>
+            <p:ph type="title"/>
+          </p:nvPr>
+        </p:nvSpPr>
+        <p:spPr/>
+        <p:txBody>
+          <a:bodyPr/>
+          <a:lstStyle/>
+          <a:p>
+            <a:r>
+              <a:rPr lang="ko-KR" altLang="en-US" dirty="0"/>
+              <a:t>구현 내용 </a:t>
+            </a:r>
+            <a:r>
+              <a:rPr lang="en-US" altLang="ko-KR" dirty="0"/>
+              <a:t>– </a:t>
+            </a:r>
+            <a:r>
+              <a:rPr lang="ko-KR" altLang="en-US" dirty="0"/>
+              <a:t>몬스터 충돌 처리 </a:t>
+            </a:r>
+            <a:r>
+              <a:rPr lang="en-US" altLang="ko-KR" dirty="0"/>
+              <a:t>(</a:t>
+            </a:r>
+            <a:r>
+              <a:rPr lang="ko-KR" altLang="en-US" dirty="0"/>
+              <a:t>민지규</a:t>
+            </a:r>
+            <a:r>
+              <a:rPr lang="en-US" altLang="ko-KR" dirty="0"/>
+              <a:t>)</a:t>
+            </a:r>
+            <a:endParaRPr lang="ko-KR" altLang="en-US" dirty="0"/>
+          </a:p>
+        </p:txBody>
+      </p:sp>
+      <p:sp>
+        <p:nvSpPr>
           <p:cNvPr id="3" name="내용 개체 틀 2">
             <a:extLst>
               <a:ext uri="{FF2B5EF4-FFF2-40B4-BE49-F238E27FC236}">
-                <a16:creationId xmlns:a16="http://schemas.microsoft.com/office/drawing/2014/main" id="{ACA2252D-E8D4-0C82-E469-6DF97D9FF7AF}"/>
+                <a16:creationId xmlns:a16="http://schemas.microsoft.com/office/drawing/2014/main" id="{EC4500DF-9562-60C8-03AE-1F4966584E12}"/>
               </a:ext>
             </a:extLst>
           </p:cNvPr>
@@ -3904,62 +4034,32 @@
         </p:nvSpPr>
         <p:spPr>
           <a:xfrm>
-            <a:off x="1261872" y="365760"/>
-            <a:ext cx="8595360" cy="5814377"/>
+            <a:off x="1261872" y="1828801"/>
+            <a:ext cx="8595360" cy="969818"/>
           </a:xfrm>
         </p:spPr>
         <p:txBody>
-          <a:bodyPr anchor="ctr" anchorCtr="0">
-            <a:normAutofit/>
-          </a:bodyPr>
-          <a:lstStyle/>
-          <a:p>
-            <a:pPr marL="0" indent="0" algn="ctr">
-              <a:buNone/>
-            </a:pPr>
-            <a:r>
-              <a:rPr lang="ko-KR" altLang="en-US" sz="11500"/>
-              <a:t>감사합니다</a:t>
-            </a:r>
-          </a:p>
-        </p:txBody>
-      </p:sp>
-    </p:spTree>
-    <p:extLst>
-      <p:ext uri="{BB962C8B-B14F-4D97-AF65-F5344CB8AC3E}">
-        <p14:creationId xmlns:p14="http://schemas.microsoft.com/office/powerpoint/2010/main" val="1205023557"/>
-      </p:ext>
-    </p:extLst>
-  </p:cSld>
-  <p:clrMapOvr>
-    <a:masterClrMapping/>
-  </p:clrMapOvr>
-</p:sld>
-</file>
-
-<file path=ppt/slides/slide2.xml><?xml version="1.0" encoding="utf-8"?>
-<p:sld xmlns:a="http://schemas.openxmlformats.org/drawingml/2006/main" xmlns:r="http://schemas.openxmlformats.org/officeDocument/2006/relationships" xmlns:p="http://schemas.openxmlformats.org/presentationml/2006/main">
-  <p:cSld>
-    <p:spTree>
-      <p:nvGrpSpPr>
-        <p:cNvPr id="1" name=""/>
-        <p:cNvGrpSpPr/>
-        <p:nvPr/>
-      </p:nvGrpSpPr>
-      <p:grpSpPr>
-        <a:xfrm>
-          <a:off x="0" y="0"/>
-          <a:ext cx="0" cy="0"/>
-          <a:chOff x="0" y="0"/>
-          <a:chExt cx="0" cy="0"/>
-        </a:xfrm>
-      </p:grpSpPr>
+          <a:bodyPr/>
+          <a:lstStyle/>
+          <a:p>
+            <a:r>
+              <a:rPr lang="ko-KR" altLang="en-US" dirty="0"/>
+              <a:t>중력을 받는 오브젝트가 땅 위에 서 있게 하는 충돌 처리 코드의 일부이다</a:t>
+            </a:r>
+            <a:r>
+              <a:rPr lang="en-US" altLang="ko-KR" dirty="0"/>
+              <a:t>.</a:t>
+            </a:r>
+            <a:endParaRPr lang="ko-KR" altLang="en-US" dirty="0"/>
+          </a:p>
+        </p:txBody>
+      </p:sp>
       <p:pic>
         <p:nvPicPr>
-          <p:cNvPr id="6" name="그림 5">
+          <p:cNvPr id="11" name="그림 10">
             <a:extLst>
               <a:ext uri="{FF2B5EF4-FFF2-40B4-BE49-F238E27FC236}">
-                <a16:creationId xmlns:a16="http://schemas.microsoft.com/office/drawing/2014/main" id="{D0B0A015-C081-4F74-2A55-F0DED394BE19}"/>
+                <a16:creationId xmlns:a16="http://schemas.microsoft.com/office/drawing/2014/main" id="{13DFB9FE-0963-11B9-B8D5-251AE24C5697}"/>
               </a:ext>
             </a:extLst>
           </p:cNvPr>
@@ -3976,162 +4076,18 @@
         </p:blipFill>
         <p:spPr>
           <a:xfrm>
-            <a:off x="3513220" y="4340994"/>
-            <a:ext cx="4166670" cy="2343752"/>
+            <a:off x="1261872" y="3044453"/>
+            <a:ext cx="5092962" cy="3225966"/>
           </a:xfrm>
           <a:prstGeom prst="rect">
             <a:avLst/>
           </a:prstGeom>
         </p:spPr>
       </p:pic>
-      <p:sp>
-        <p:nvSpPr>
-          <p:cNvPr id="2" name="제목 1">
-            <a:extLst>
-              <a:ext uri="{FF2B5EF4-FFF2-40B4-BE49-F238E27FC236}">
-                <a16:creationId xmlns:a16="http://schemas.microsoft.com/office/drawing/2014/main" id="{31A728A7-B8FE-D469-D3E2-40B490C0F083}"/>
-              </a:ext>
-            </a:extLst>
-          </p:cNvPr>
-          <p:cNvSpPr>
-            <a:spLocks noGrp="1"/>
-          </p:cNvSpPr>
-          <p:nvPr>
-            <p:ph type="title"/>
-          </p:nvPr>
-        </p:nvSpPr>
-        <p:spPr/>
-        <p:txBody>
-          <a:bodyPr/>
-          <a:lstStyle/>
-          <a:p>
-            <a:r>
-              <a:rPr lang="ko-KR" altLang="en-US"/>
-              <a:t>원작 게임 개요</a:t>
-            </a:r>
-          </a:p>
-        </p:txBody>
-      </p:sp>
-      <p:sp>
-        <p:nvSpPr>
-          <p:cNvPr id="3" name="내용 개체 틀 2">
-            <a:extLst>
-              <a:ext uri="{FF2B5EF4-FFF2-40B4-BE49-F238E27FC236}">
-                <a16:creationId xmlns:a16="http://schemas.microsoft.com/office/drawing/2014/main" id="{ADA833FF-1537-EA2E-716A-CAAC249089E5}"/>
-              </a:ext>
-            </a:extLst>
-          </p:cNvPr>
-          <p:cNvSpPr>
-            <a:spLocks noGrp="1"/>
-          </p:cNvSpPr>
-          <p:nvPr>
-            <p:ph idx="1"/>
-          </p:nvPr>
-        </p:nvSpPr>
-        <p:spPr>
-          <a:xfrm>
-            <a:off x="1370530" y="1568918"/>
-            <a:ext cx="8595360" cy="4351337"/>
-          </a:xfrm>
-        </p:spPr>
-        <p:txBody>
-          <a:bodyPr/>
-          <a:lstStyle/>
-          <a:p>
-            <a:endParaRPr lang="en-US" altLang="ko-KR" dirty="0"/>
-          </a:p>
-          <a:p>
-            <a:r>
-              <a:rPr lang="ko-KR" altLang="en-US" dirty="0"/>
-              <a:t>게임 이름</a:t>
-            </a:r>
-            <a:r>
-              <a:rPr lang="en-US" altLang="ko-KR" dirty="0"/>
-              <a:t> : </a:t>
-            </a:r>
-            <a:r>
-              <a:rPr lang="ko-KR" altLang="en-US" dirty="0" err="1"/>
-              <a:t>던그리드</a:t>
-            </a:r>
-            <a:endParaRPr lang="en-US" altLang="ko-KR" dirty="0"/>
-          </a:p>
-          <a:p>
-            <a:r>
-              <a:rPr lang="ko-KR" altLang="en-US" dirty="0"/>
-              <a:t>장르 </a:t>
-            </a:r>
-            <a:r>
-              <a:rPr lang="en-US" altLang="ko-KR" dirty="0"/>
-              <a:t>: </a:t>
-            </a:r>
-            <a:r>
-              <a:rPr lang="ko-KR" altLang="en-US" dirty="0" err="1"/>
-              <a:t>로그라이트</a:t>
-            </a:r>
-            <a:r>
-              <a:rPr lang="ko-KR" altLang="en-US" dirty="0"/>
-              <a:t> </a:t>
-            </a:r>
-            <a:r>
-              <a:rPr lang="ko-KR" altLang="en-US" dirty="0" err="1"/>
-              <a:t>플랫포머</a:t>
-            </a:r>
-            <a:endParaRPr lang="en-US" altLang="ko-KR" dirty="0"/>
-          </a:p>
-          <a:p>
-            <a:r>
-              <a:rPr lang="ko-KR" altLang="en-US" dirty="0"/>
-              <a:t>입장할 때 마다 랜덤으로 생성되는 던전을 탐색하는 게임</a:t>
-            </a:r>
-            <a:endParaRPr lang="en-US" altLang="ko-KR" dirty="0"/>
-          </a:p>
-          <a:p>
-            <a:r>
-              <a:rPr lang="ko-KR" altLang="en-US" dirty="0"/>
-              <a:t>홀수 층 </a:t>
-            </a:r>
-            <a:r>
-              <a:rPr lang="en-US" altLang="ko-KR" dirty="0"/>
-              <a:t>: </a:t>
-            </a:r>
-            <a:r>
-              <a:rPr lang="ko-KR" altLang="en-US" dirty="0"/>
-              <a:t>일반 몬스터 </a:t>
-            </a:r>
-            <a:r>
-              <a:rPr lang="ko-KR" altLang="en-US" dirty="0" err="1"/>
-              <a:t>스폰</a:t>
-            </a:r>
-            <a:r>
-              <a:rPr lang="ko-KR" altLang="en-US" dirty="0"/>
-              <a:t> 및 다음 층으로 가는 출구를 </a:t>
-            </a:r>
-            <a:r>
-              <a:rPr lang="ko-KR" altLang="en-US" dirty="0" err="1"/>
-              <a:t>찾아야함</a:t>
-            </a:r>
-            <a:endParaRPr lang="en-US" altLang="ko-KR" dirty="0"/>
-          </a:p>
-          <a:p>
-            <a:r>
-              <a:rPr lang="ko-KR" altLang="en-US" dirty="0"/>
-              <a:t>짝수 층 </a:t>
-            </a:r>
-            <a:r>
-              <a:rPr lang="en-US" altLang="ko-KR" dirty="0"/>
-              <a:t>: </a:t>
-            </a:r>
-            <a:r>
-              <a:rPr lang="ko-KR" altLang="en-US" dirty="0"/>
-              <a:t>보스 몬스터와의 전투</a:t>
-            </a:r>
-          </a:p>
-        </p:txBody>
-      </p:sp>
     </p:spTree>
     <p:extLst>
       <p:ext uri="{BB962C8B-B14F-4D97-AF65-F5344CB8AC3E}">
-        <p14:creationId xmlns:p14="http://schemas.microsoft.com/office/powerpoint/2010/main" val="2896178297"/>
+        <p14:creationId xmlns:p14="http://schemas.microsoft.com/office/powerpoint/2010/main" val="3385414614"/>
       </p:ext>
     </p:extLst>
   </p:cSld>
@@ -4146,7 +4102,13 @@
   <p:cSld>
     <p:spTree>
       <p:nvGrpSpPr>
-        <p:cNvPr id="1" name=""/>
+        <p:cNvPr id="1" name="">
+          <a:extLst>
+            <a:ext uri="{FF2B5EF4-FFF2-40B4-BE49-F238E27FC236}">
+              <a16:creationId xmlns:a16="http://schemas.microsoft.com/office/drawing/2014/main" id="{FC5E3C23-EAC9-BD7F-A1B3-4EE15C44BA5D}"/>
+            </a:ext>
+          </a:extLst>
+        </p:cNvPr>
         <p:cNvGrpSpPr/>
         <p:nvPr/>
       </p:nvGrpSpPr>
@@ -4163,7 +4125,7 @@
           <p:cNvPr id="2" name="제목 1">
             <a:extLst>
               <a:ext uri="{FF2B5EF4-FFF2-40B4-BE49-F238E27FC236}">
-                <a16:creationId xmlns:a16="http://schemas.microsoft.com/office/drawing/2014/main" id="{C9877359-8163-8AF5-D2F4-FFF52964B6FE}"/>
+                <a16:creationId xmlns:a16="http://schemas.microsoft.com/office/drawing/2014/main" id="{AFA33A54-7653-B20C-CD22-55F07F28CB8E}"/>
               </a:ext>
             </a:extLst>
           </p:cNvPr>
@@ -4180,8 +4142,28 @@
           <a:lstStyle/>
           <a:p>
             <a:r>
-              <a:rPr lang="ko-KR" altLang="en-US"/>
-              <a:t>선정 이유</a:t>
+              <a:rPr lang="ko-KR" altLang="en-US" dirty="0"/>
+              <a:t>구현 내용 </a:t>
+            </a:r>
+            <a:r>
+              <a:rPr lang="en-US" altLang="ko-KR" dirty="0"/>
+              <a:t>– </a:t>
+            </a:r>
+            <a:r>
+              <a:rPr lang="ko-KR" altLang="en-US" dirty="0"/>
+              <a:t>보스 </a:t>
+            </a:r>
+            <a:r>
+              <a:rPr lang="en-US" altLang="ko-KR" dirty="0"/>
+              <a:t>(</a:t>
+            </a:r>
+            <a:r>
+              <a:rPr lang="ko-KR" altLang="en-US" dirty="0"/>
+              <a:t>민지규</a:t>
+            </a:r>
+            <a:r>
+              <a:rPr lang="en-US" altLang="ko-KR" dirty="0"/>
+              <a:t>)</a:t>
             </a:r>
             <a:endParaRPr lang="ko-KR" altLang="en-US" dirty="0"/>
           </a:p>
@@ -4192,7 +4174,7 @@
           <p:cNvPr id="3" name="내용 개체 틀 2">
             <a:extLst>
               <a:ext uri="{FF2B5EF4-FFF2-40B4-BE49-F238E27FC236}">
-                <a16:creationId xmlns:a16="http://schemas.microsoft.com/office/drawing/2014/main" id="{85A616E9-51EB-C3BC-DAF3-001A42C911F6}"/>
+                <a16:creationId xmlns:a16="http://schemas.microsoft.com/office/drawing/2014/main" id="{2CF296B2-BE32-A461-B5BC-63A0655BE9A6}"/>
               </a:ext>
             </a:extLst>
           </p:cNvPr>
@@ -4203,29 +4185,112 @@
             <p:ph idx="1"/>
           </p:nvPr>
         </p:nvSpPr>
-        <p:spPr/>
-        <p:txBody>
-          <a:bodyPr/>
-          <a:lstStyle/>
-          <a:p>
-            <a:endParaRPr lang="en-US" altLang="ko-KR" dirty="0"/>
-          </a:p>
+        <p:spPr>
+          <a:xfrm>
+            <a:off x="1261872" y="1828800"/>
+            <a:ext cx="8595360" cy="683491"/>
+          </a:xfrm>
+        </p:spPr>
+        <p:txBody>
+          <a:bodyPr/>
+          <a:lstStyle/>
           <a:p>
             <a:r>
               <a:rPr lang="ko-KR" altLang="en-US" dirty="0"/>
-              <a:t>게임 중에서 구현 가능한 목표 분담 및 구현 가능성이 높다고 판단함</a:t>
-            </a:r>
-            <a:endParaRPr lang="en-US" altLang="ko-KR" dirty="0"/>
-          </a:p>
-          <a:p>
-            <a:endParaRPr lang="en-US" altLang="ko-KR" dirty="0"/>
-          </a:p>
-        </p:txBody>
-      </p:sp>
+              <a:t>보스도 상태 기반 패턴으로 구현 하였으며</a:t>
+            </a:r>
+            <a:r>
+              <a:rPr lang="en-US" altLang="ko-KR" dirty="0"/>
+              <a:t>, </a:t>
+            </a:r>
+            <a:r>
+              <a:rPr lang="ko-KR" altLang="en-US" dirty="0"/>
+              <a:t>이에 필요한 각각의 오브젝트들과 행동을 클래스와 함수로 만들어서 구현하였다</a:t>
+            </a:r>
+            <a:r>
+              <a:rPr lang="en-US" altLang="ko-KR" dirty="0"/>
+              <a:t>.</a:t>
+            </a:r>
+            <a:endParaRPr lang="ko-KR" altLang="en-US" dirty="0"/>
+          </a:p>
+        </p:txBody>
+      </p:sp>
+      <p:pic>
+        <p:nvPicPr>
+          <p:cNvPr id="5" name="그림 4" descr="텍스트, 스크린샷, 소프트웨어, 폰트이(가) 표시된 사진&#10;&#10;자동 생성된 설명">
+            <a:extLst>
+              <a:ext uri="{FF2B5EF4-FFF2-40B4-BE49-F238E27FC236}">
+                <a16:creationId xmlns:a16="http://schemas.microsoft.com/office/drawing/2014/main" id="{C8637FD4-4F29-E920-2413-B27363654E5A}"/>
+              </a:ext>
+            </a:extLst>
+          </p:cNvPr>
+          <p:cNvPicPr>
+            <a:picLocks noChangeAspect="1"/>
+          </p:cNvPicPr>
+          <p:nvPr/>
+        </p:nvPicPr>
+        <p:blipFill>
+          <a:blip r:embed="rId2">
+            <a:extLst>
+              <a:ext uri="{28A0092B-C50C-407E-A947-70E740481C1C}">
+                <a14:useLocalDpi xmlns:a14="http://schemas.microsoft.com/office/drawing/2010/main" val="0"/>
+              </a:ext>
+            </a:extLst>
+          </a:blip>
+          <a:stretch>
+            <a:fillRect/>
+          </a:stretch>
+        </p:blipFill>
+        <p:spPr>
+          <a:xfrm>
+            <a:off x="1959785" y="3191384"/>
+            <a:ext cx="2121009" cy="2673487"/>
+          </a:xfrm>
+          <a:prstGeom prst="rect">
+            <a:avLst/>
+          </a:prstGeom>
+        </p:spPr>
+      </p:pic>
+      <p:pic>
+        <p:nvPicPr>
+          <p:cNvPr id="7" name="그림 6" descr="텍스트, 스크린샷이(가) 표시된 사진&#10;&#10;자동 생성된 설명">
+            <a:extLst>
+              <a:ext uri="{FF2B5EF4-FFF2-40B4-BE49-F238E27FC236}">
+                <a16:creationId xmlns:a16="http://schemas.microsoft.com/office/drawing/2014/main" id="{6C5A2240-3F0B-BD60-DE18-8F0CAB316178}"/>
+              </a:ext>
+            </a:extLst>
+          </p:cNvPr>
+          <p:cNvPicPr>
+            <a:picLocks noChangeAspect="1"/>
+          </p:cNvPicPr>
+          <p:nvPr/>
+        </p:nvPicPr>
+        <p:blipFill>
+          <a:blip r:embed="rId3">
+            <a:extLst>
+              <a:ext uri="{28A0092B-C50C-407E-A947-70E740481C1C}">
+                <a14:useLocalDpi xmlns:a14="http://schemas.microsoft.com/office/drawing/2010/main" val="0"/>
+              </a:ext>
+            </a:extLst>
+          </a:blip>
+          <a:stretch>
+            <a:fillRect/>
+          </a:stretch>
+        </p:blipFill>
+        <p:spPr>
+          <a:xfrm>
+            <a:off x="5421042" y="2512291"/>
+            <a:ext cx="3750668" cy="4345709"/>
+          </a:xfrm>
+          <a:prstGeom prst="rect">
+            <a:avLst/>
+          </a:prstGeom>
+        </p:spPr>
+      </p:pic>
     </p:spTree>
     <p:extLst>
       <p:ext uri="{BB962C8B-B14F-4D97-AF65-F5344CB8AC3E}">
-        <p14:creationId xmlns:p14="http://schemas.microsoft.com/office/powerpoint/2010/main" val="1528793594"/>
+        <p14:creationId xmlns:p14="http://schemas.microsoft.com/office/powerpoint/2010/main" val="3205282881"/>
       </p:ext>
     </p:extLst>
   </p:cSld>
@@ -4240,7 +4305,13 @@
   <p:cSld>
     <p:spTree>
       <p:nvGrpSpPr>
-        <p:cNvPr id="1" name=""/>
+        <p:cNvPr id="1" name="">
+          <a:extLst>
+            <a:ext uri="{FF2B5EF4-FFF2-40B4-BE49-F238E27FC236}">
+              <a16:creationId xmlns:a16="http://schemas.microsoft.com/office/drawing/2014/main" id="{BE020E40-B60D-BC62-885F-E49F39FC7C49}"/>
+            </a:ext>
+          </a:extLst>
+        </p:cNvPr>
         <p:cNvGrpSpPr/>
         <p:nvPr/>
       </p:nvGrpSpPr>
@@ -4257,7 +4328,7 @@
           <p:cNvPr id="2" name="제목 1">
             <a:extLst>
               <a:ext uri="{FF2B5EF4-FFF2-40B4-BE49-F238E27FC236}">
-                <a16:creationId xmlns:a16="http://schemas.microsoft.com/office/drawing/2014/main" id="{F0AFCA4D-13B0-78A4-484D-A7A06C012546}"/>
+                <a16:creationId xmlns:a16="http://schemas.microsoft.com/office/drawing/2014/main" id="{47BE64B6-1F80-62FC-2FAE-6E50A412690E}"/>
               </a:ext>
             </a:extLst>
           </p:cNvPr>
@@ -4274,563 +4345,207 @@
           <a:lstStyle/>
           <a:p>
             <a:r>
-              <a:rPr lang="ko-KR" altLang="en-US"/>
-              <a:t>구현 범위</a:t>
-            </a:r>
-          </a:p>
-        </p:txBody>
-      </p:sp>
-      <p:graphicFrame>
-        <p:nvGraphicFramePr>
-          <p:cNvPr id="4" name="내용 개체 틀 3">
+              <a:rPr lang="ko-KR" altLang="en-US" dirty="0"/>
+              <a:t>구현 내용 </a:t>
+            </a:r>
+            <a:r>
+              <a:rPr lang="en-US" altLang="ko-KR" dirty="0"/>
+              <a:t>– </a:t>
+            </a:r>
+            <a:r>
+              <a:rPr lang="ko-KR" altLang="en-US" dirty="0"/>
+              <a:t>무기 </a:t>
+            </a:r>
+            <a:r>
+              <a:rPr lang="en-US" altLang="ko-KR" dirty="0"/>
+              <a:t>(</a:t>
+            </a:r>
+            <a:r>
+              <a:rPr lang="ko-KR" altLang="en-US" dirty="0"/>
+              <a:t>민지규</a:t>
+            </a:r>
+            <a:r>
+              <a:rPr lang="en-US" altLang="ko-KR" dirty="0"/>
+              <a:t>)</a:t>
+            </a:r>
+            <a:endParaRPr lang="ko-KR" altLang="en-US" dirty="0"/>
+          </a:p>
+        </p:txBody>
+      </p:sp>
+      <p:sp>
+        <p:nvSpPr>
+          <p:cNvPr id="3" name="내용 개체 틀 2">
             <a:extLst>
               <a:ext uri="{FF2B5EF4-FFF2-40B4-BE49-F238E27FC236}">
-                <a16:creationId xmlns:a16="http://schemas.microsoft.com/office/drawing/2014/main" id="{2CFC9945-9E3C-A948-E132-63D34B3C1451}"/>
+                <a16:creationId xmlns:a16="http://schemas.microsoft.com/office/drawing/2014/main" id="{39588B08-2A77-C3C1-2FF2-1528F110036E}"/>
               </a:ext>
             </a:extLst>
           </p:cNvPr>
-          <p:cNvGraphicFramePr>
-            <a:graphicFrameLocks noGrp="1"/>
-          </p:cNvGraphicFramePr>
+          <p:cNvSpPr>
+            <a:spLocks noGrp="1"/>
+          </p:cNvSpPr>
           <p:nvPr>
             <p:ph idx="1"/>
-            <p:extLst>
-              <p:ext uri="{D42A27DB-BD31-4B8C-83A1-F6EECF244321}">
-                <p14:modId xmlns:p14="http://schemas.microsoft.com/office/powerpoint/2010/main" val="3134520995"/>
-              </p:ext>
-            </p:extLst>
-          </p:nvPr>
-        </p:nvGraphicFramePr>
-        <p:xfrm>
-          <a:off x="1262063" y="1828800"/>
-          <a:ext cx="8594724" cy="3307080"/>
-        </p:xfrm>
-        <a:graphic>
-          <a:graphicData uri="http://schemas.openxmlformats.org/drawingml/2006/table">
-            <a:tbl>
-              <a:tblPr firstRow="1" bandRow="1">
-                <a:tableStyleId>{5C22544A-7EE6-4342-B048-85BDC9FD1C3A}</a:tableStyleId>
-              </a:tblPr>
-              <a:tblGrid>
-                <a:gridCol w="2148681">
-                  <a:extLst>
-                    <a:ext uri="{9D8B030D-6E8A-4147-A177-3AD203B41FA5}">
-                      <a16:colId xmlns:a16="http://schemas.microsoft.com/office/drawing/2014/main" val="1301307449"/>
-                    </a:ext>
-                  </a:extLst>
-                </a:gridCol>
-                <a:gridCol w="2148681">
-                  <a:extLst>
-                    <a:ext uri="{9D8B030D-6E8A-4147-A177-3AD203B41FA5}">
-                      <a16:colId xmlns:a16="http://schemas.microsoft.com/office/drawing/2014/main" val="357371823"/>
-                    </a:ext>
-                  </a:extLst>
-                </a:gridCol>
-                <a:gridCol w="2148681">
-                  <a:extLst>
-                    <a:ext uri="{9D8B030D-6E8A-4147-A177-3AD203B41FA5}">
-                      <a16:colId xmlns:a16="http://schemas.microsoft.com/office/drawing/2014/main" val="2062727329"/>
-                    </a:ext>
-                  </a:extLst>
-                </a:gridCol>
-                <a:gridCol w="2148681">
-                  <a:extLst>
-                    <a:ext uri="{9D8B030D-6E8A-4147-A177-3AD203B41FA5}">
-                      <a16:colId xmlns:a16="http://schemas.microsoft.com/office/drawing/2014/main" val="1906889881"/>
-                    </a:ext>
-                  </a:extLst>
-                </a:gridCol>
-              </a:tblGrid>
-              <a:tr h="370840">
-                <a:tc>
-                  <a:txBody>
-                    <a:bodyPr/>
-                    <a:lstStyle/>
-                    <a:p>
-                      <a:pPr latinLnBrk="1"/>
-                      <a:r>
-                        <a:rPr lang="ko-KR" altLang="en-US"/>
-                        <a:t>원작에 있던 요소</a:t>
-                      </a:r>
-                    </a:p>
-                  </a:txBody>
-                  <a:tcPr/>
-                </a:tc>
-                <a:tc>
-                  <a:txBody>
-                    <a:bodyPr/>
-                    <a:lstStyle/>
-                    <a:p>
-                      <a:pPr latinLnBrk="1"/>
-                      <a:r>
-                        <a:rPr lang="ko-KR" altLang="en-US"/>
-                        <a:t>원작에 있지만 변경한 요소</a:t>
-                      </a:r>
-                    </a:p>
-                  </a:txBody>
-                  <a:tcPr/>
-                </a:tc>
-                <a:tc>
-                  <a:txBody>
-                    <a:bodyPr/>
-                    <a:lstStyle/>
-                    <a:p>
-                      <a:pPr latinLnBrk="1"/>
-                      <a:r>
-                        <a:rPr lang="ko-KR" altLang="en-US"/>
-                        <a:t>원작에 없던 요소</a:t>
-                      </a:r>
-                    </a:p>
-                  </a:txBody>
-                  <a:tcPr/>
-                </a:tc>
-                <a:tc>
-                  <a:txBody>
-                    <a:bodyPr/>
-                    <a:lstStyle/>
-                    <a:p>
-                      <a:pPr latinLnBrk="1"/>
-                      <a:r>
-                        <a:rPr lang="ko-KR" altLang="en-US"/>
-                        <a:t>구현하지 못한 요소</a:t>
-                      </a:r>
-                    </a:p>
-                  </a:txBody>
-                  <a:tcPr/>
-                </a:tc>
-                <a:extLst>
-                  <a:ext uri="{0D108BD9-81ED-4DB2-BD59-A6C34878D82A}">
-                    <a16:rowId xmlns:a16="http://schemas.microsoft.com/office/drawing/2014/main" val="3752105223"/>
-                  </a:ext>
-                </a:extLst>
-              </a:tr>
-              <a:tr h="370840">
-                <a:tc>
-                  <a:txBody>
-                    <a:bodyPr/>
-                    <a:lstStyle/>
-                    <a:p>
-                      <a:pPr marL="0" marR="0" lvl="0" indent="0" algn="l" defTabSz="914400" rtl="0" eaLnBrk="1" fontAlgn="auto" latinLnBrk="1" hangingPunct="1">
-                        <a:lnSpc>
-                          <a:spcPct val="100000"/>
-                        </a:lnSpc>
-                        <a:spcBef>
-                          <a:spcPts val="0"/>
-                        </a:spcBef>
-                        <a:spcAft>
-                          <a:spcPts val="0"/>
-                        </a:spcAft>
-                        <a:buClrTx/>
-                        <a:buSzTx/>
-                        <a:buFontTx/>
-                        <a:buNone/>
-                        <a:tabLst/>
-                        <a:defRPr/>
-                      </a:pPr>
-                      <a:r>
-                        <a:rPr lang="ko-KR" altLang="en-US" dirty="0"/>
-                        <a:t>몬스터와의 전투</a:t>
-                      </a:r>
-                    </a:p>
-                  </a:txBody>
-                  <a:tcPr/>
-                </a:tc>
-                <a:tc>
-                  <a:txBody>
-                    <a:bodyPr/>
-                    <a:lstStyle/>
-                    <a:p>
-                      <a:pPr latinLnBrk="1"/>
-                      <a:r>
-                        <a:rPr lang="ko-KR" altLang="en-US" dirty="0"/>
-                        <a:t>캐릭터 </a:t>
-                      </a:r>
-                      <a:r>
-                        <a:rPr lang="ko-KR" altLang="en-US" dirty="0" err="1"/>
-                        <a:t>스테이터스</a:t>
-                      </a:r>
-                      <a:endParaRPr lang="ko-KR" altLang="en-US" dirty="0"/>
-                    </a:p>
-                  </a:txBody>
-                  <a:tcPr/>
-                </a:tc>
-                <a:tc>
-                  <a:txBody>
-                    <a:bodyPr/>
-                    <a:lstStyle/>
-                    <a:p>
-                      <a:pPr latinLnBrk="1"/>
-                      <a:r>
-                        <a:rPr lang="ko-KR" altLang="en-US" dirty="0" err="1"/>
-                        <a:t>맵에디터</a:t>
-                      </a:r>
-                      <a:endParaRPr lang="ko-KR" altLang="en-US" dirty="0"/>
-                    </a:p>
-                  </a:txBody>
-                  <a:tcPr/>
-                </a:tc>
-                <a:tc>
-                  <a:txBody>
-                    <a:bodyPr/>
-                    <a:lstStyle/>
-                    <a:p>
-                      <a:pPr latinLnBrk="1"/>
-                      <a:r>
-                        <a:rPr lang="ko-KR" altLang="en-US" dirty="0"/>
-                        <a:t>캐릭터 스킬</a:t>
-                      </a:r>
-                    </a:p>
-                  </a:txBody>
-                  <a:tcPr/>
-                </a:tc>
-                <a:extLst>
-                  <a:ext uri="{0D108BD9-81ED-4DB2-BD59-A6C34878D82A}">
-                    <a16:rowId xmlns:a16="http://schemas.microsoft.com/office/drawing/2014/main" val="2980111132"/>
-                  </a:ext>
-                </a:extLst>
-              </a:tr>
-              <a:tr h="370840">
-                <a:tc>
-                  <a:txBody>
-                    <a:bodyPr/>
-                    <a:lstStyle/>
-                    <a:p>
-                      <a:pPr latinLnBrk="1"/>
-                      <a:r>
-                        <a:rPr lang="ko-KR" altLang="en-US" dirty="0"/>
-                        <a:t>일반 몬스터</a:t>
-                      </a:r>
-                      <a:endParaRPr lang="en-US" altLang="ko-KR" dirty="0"/>
-                    </a:p>
-                    <a:p>
-                      <a:pPr latinLnBrk="1"/>
-                      <a:r>
-                        <a:rPr lang="ko-KR" altLang="en-US" dirty="0" err="1"/>
-                        <a:t>해골개</a:t>
-                      </a:r>
-                      <a:r>
-                        <a:rPr lang="en-US" altLang="ko-KR" dirty="0"/>
-                        <a:t>, </a:t>
-                      </a:r>
-                      <a:r>
-                        <a:rPr lang="ko-KR" altLang="en-US" dirty="0"/>
-                        <a:t>박쥐</a:t>
-                      </a:r>
-                      <a:r>
-                        <a:rPr lang="en-US" altLang="ko-KR" dirty="0"/>
-                        <a:t>, </a:t>
-                      </a:r>
-                      <a:r>
-                        <a:rPr lang="ko-KR" altLang="en-US" dirty="0" err="1"/>
-                        <a:t>밴쉬</a:t>
-                      </a:r>
-                      <a:r>
-                        <a:rPr lang="en-US" altLang="ko-KR" dirty="0"/>
-                        <a:t>, </a:t>
-                      </a:r>
-                      <a:r>
-                        <a:rPr lang="ko-KR" altLang="en-US" dirty="0"/>
-                        <a:t>유령</a:t>
-                      </a:r>
-                      <a:r>
-                        <a:rPr lang="en-US" altLang="ko-KR" dirty="0"/>
-                        <a:t>, </a:t>
-                      </a:r>
-                      <a:r>
-                        <a:rPr lang="ko-KR" altLang="en-US" dirty="0"/>
-                        <a:t>인간형 해골</a:t>
-                      </a:r>
-                    </a:p>
-                  </a:txBody>
-                  <a:tcPr/>
-                </a:tc>
-                <a:tc>
-                  <a:txBody>
-                    <a:bodyPr/>
-                    <a:lstStyle/>
-                    <a:p>
-                      <a:pPr latinLnBrk="1"/>
-                      <a:r>
-                        <a:rPr lang="ko-KR" altLang="en-US" dirty="0"/>
-                        <a:t>몬스터 </a:t>
-                      </a:r>
-                      <a:r>
-                        <a:rPr lang="en-US" altLang="ko-KR" dirty="0"/>
-                        <a:t>AI</a:t>
-                      </a:r>
-                      <a:endParaRPr lang="ko-KR" altLang="en-US" dirty="0"/>
-                    </a:p>
-                  </a:txBody>
-                  <a:tcPr/>
-                </a:tc>
-                <a:tc>
-                  <a:txBody>
-                    <a:bodyPr/>
-                    <a:lstStyle/>
-                    <a:p>
-                      <a:pPr latinLnBrk="1"/>
-                      <a:endParaRPr lang="ko-KR" altLang="en-US" dirty="0"/>
-                    </a:p>
-                  </a:txBody>
-                  <a:tcPr/>
-                </a:tc>
-                <a:tc>
-                  <a:txBody>
-                    <a:bodyPr/>
-                    <a:lstStyle/>
-                    <a:p>
-                      <a:pPr latinLnBrk="1"/>
-                      <a:r>
-                        <a:rPr lang="ko-KR" altLang="en-US" dirty="0"/>
-                        <a:t>몬스터 피격 </a:t>
-                      </a:r>
-                      <a:r>
-                        <a:rPr lang="ko-KR" altLang="en-US" dirty="0" err="1"/>
-                        <a:t>대미지</a:t>
-                      </a:r>
-                      <a:r>
-                        <a:rPr lang="ko-KR" altLang="en-US" dirty="0"/>
-                        <a:t> 표시</a:t>
-                      </a:r>
-                    </a:p>
-                  </a:txBody>
-                  <a:tcPr/>
-                </a:tc>
-                <a:extLst>
-                  <a:ext uri="{0D108BD9-81ED-4DB2-BD59-A6C34878D82A}">
-                    <a16:rowId xmlns:a16="http://schemas.microsoft.com/office/drawing/2014/main" val="2097985995"/>
-                  </a:ext>
-                </a:extLst>
-              </a:tr>
-              <a:tr h="370840">
-                <a:tc>
-                  <a:txBody>
-                    <a:bodyPr/>
-                    <a:lstStyle/>
-                    <a:p>
-                      <a:pPr marL="0" marR="0" lvl="0" indent="0" algn="l" defTabSz="914400" rtl="0" eaLnBrk="1" fontAlgn="auto" latinLnBrk="1" hangingPunct="1">
-                        <a:lnSpc>
-                          <a:spcPct val="100000"/>
-                        </a:lnSpc>
-                        <a:spcBef>
-                          <a:spcPts val="0"/>
-                        </a:spcBef>
-                        <a:spcAft>
-                          <a:spcPts val="0"/>
-                        </a:spcAft>
-                        <a:buClrTx/>
-                        <a:buSzTx/>
-                        <a:buFontTx/>
-                        <a:buNone/>
-                        <a:tabLst/>
-                        <a:defRPr/>
-                      </a:pPr>
-                      <a:r>
-                        <a:rPr lang="ko-KR" altLang="en-US" dirty="0"/>
-                        <a:t>보스 몬스터</a:t>
-                      </a:r>
-                      <a:endParaRPr lang="en-US" altLang="ko-KR" dirty="0"/>
-                    </a:p>
-                    <a:p>
-                      <a:pPr marL="0" marR="0" lvl="0" indent="0" algn="l" defTabSz="914400" rtl="0" eaLnBrk="1" fontAlgn="auto" latinLnBrk="1" hangingPunct="1">
-                        <a:lnSpc>
-                          <a:spcPct val="100000"/>
-                        </a:lnSpc>
-                        <a:spcBef>
-                          <a:spcPts val="0"/>
-                        </a:spcBef>
-                        <a:spcAft>
-                          <a:spcPts val="0"/>
-                        </a:spcAft>
-                        <a:buClrTx/>
-                        <a:buSzTx/>
-                        <a:buFontTx/>
-                        <a:buNone/>
-                        <a:tabLst/>
-                        <a:defRPr/>
-                      </a:pPr>
-                      <a:r>
-                        <a:rPr lang="ko-KR" altLang="en-US" dirty="0" err="1"/>
-                        <a:t>베리알</a:t>
-                      </a:r>
-                      <a:endParaRPr lang="ko-KR" altLang="en-US" dirty="0"/>
-                    </a:p>
-                  </a:txBody>
-                  <a:tcPr/>
-                </a:tc>
-                <a:tc>
-                  <a:txBody>
-                    <a:bodyPr/>
-                    <a:lstStyle/>
-                    <a:p>
-                      <a:pPr latinLnBrk="1"/>
-                      <a:endParaRPr lang="ko-KR" altLang="en-US" dirty="0"/>
-                    </a:p>
-                  </a:txBody>
-                  <a:tcPr/>
-                </a:tc>
-                <a:tc>
-                  <a:txBody>
-                    <a:bodyPr/>
-                    <a:lstStyle/>
-                    <a:p>
-                      <a:pPr latinLnBrk="1"/>
-                      <a:endParaRPr lang="ko-KR" altLang="en-US"/>
-                    </a:p>
-                  </a:txBody>
-                  <a:tcPr/>
-                </a:tc>
-                <a:tc>
-                  <a:txBody>
-                    <a:bodyPr/>
-                    <a:lstStyle/>
-                    <a:p>
-                      <a:pPr latinLnBrk="1"/>
-                      <a:r>
-                        <a:rPr lang="ko-KR" altLang="en-US" dirty="0"/>
-                        <a:t>방 디테일 요소</a:t>
-                      </a:r>
-                    </a:p>
-                  </a:txBody>
-                  <a:tcPr/>
-                </a:tc>
-                <a:extLst>
-                  <a:ext uri="{0D108BD9-81ED-4DB2-BD59-A6C34878D82A}">
-                    <a16:rowId xmlns:a16="http://schemas.microsoft.com/office/drawing/2014/main" val="1831143818"/>
-                  </a:ext>
-                </a:extLst>
-              </a:tr>
-              <a:tr h="370840">
-                <a:tc>
-                  <a:txBody>
-                    <a:bodyPr/>
-                    <a:lstStyle/>
-                    <a:p>
-                      <a:pPr latinLnBrk="1"/>
-                      <a:r>
-                        <a:rPr lang="ko-KR" altLang="en-US" dirty="0"/>
-                        <a:t>플레이어 기본 조작</a:t>
-                      </a:r>
-                      <a:endParaRPr lang="en-US" altLang="ko-KR" dirty="0"/>
-                    </a:p>
-                  </a:txBody>
-                  <a:tcPr/>
-                </a:tc>
-                <a:tc>
-                  <a:txBody>
-                    <a:bodyPr/>
-                    <a:lstStyle/>
-                    <a:p>
-                      <a:pPr latinLnBrk="1"/>
-                      <a:endParaRPr lang="ko-KR" altLang="en-US"/>
-                    </a:p>
-                  </a:txBody>
-                  <a:tcPr/>
-                </a:tc>
-                <a:tc>
-                  <a:txBody>
-                    <a:bodyPr/>
-                    <a:lstStyle/>
-                    <a:p>
-                      <a:pPr latinLnBrk="1"/>
-                      <a:endParaRPr lang="ko-KR" altLang="en-US" dirty="0"/>
-                    </a:p>
-                  </a:txBody>
-                  <a:tcPr/>
-                </a:tc>
-                <a:tc>
-                  <a:txBody>
-                    <a:bodyPr/>
-                    <a:lstStyle/>
-                    <a:p>
-                      <a:pPr latinLnBrk="1"/>
-                      <a:r>
-                        <a:rPr lang="ko-KR" altLang="en-US" dirty="0"/>
-                        <a:t>아이템</a:t>
-                      </a:r>
-                      <a:r>
-                        <a:rPr lang="en-US" altLang="ko-KR" dirty="0"/>
-                        <a:t>, </a:t>
-                      </a:r>
-                      <a:r>
-                        <a:rPr lang="ko-KR" altLang="en-US" dirty="0"/>
-                        <a:t>인벤토리</a:t>
-                      </a:r>
-                    </a:p>
-                  </a:txBody>
-                  <a:tcPr/>
-                </a:tc>
-                <a:extLst>
-                  <a:ext uri="{0D108BD9-81ED-4DB2-BD59-A6C34878D82A}">
-                    <a16:rowId xmlns:a16="http://schemas.microsoft.com/office/drawing/2014/main" val="1773932581"/>
-                  </a:ext>
-                </a:extLst>
-              </a:tr>
-              <a:tr h="370840">
-                <a:tc>
-                  <a:txBody>
-                    <a:bodyPr/>
-                    <a:lstStyle/>
-                    <a:p>
-                      <a:pPr latinLnBrk="1"/>
-                      <a:r>
-                        <a:rPr lang="ko-KR" altLang="en-US" dirty="0"/>
-                        <a:t>방 기본 로직</a:t>
-                      </a:r>
-                    </a:p>
-                  </a:txBody>
-                  <a:tcPr/>
-                </a:tc>
-                <a:tc>
-                  <a:txBody>
-                    <a:bodyPr/>
-                    <a:lstStyle/>
-                    <a:p>
-                      <a:pPr latinLnBrk="1"/>
-                      <a:endParaRPr lang="ko-KR" altLang="en-US"/>
-                    </a:p>
-                  </a:txBody>
-                  <a:tcPr/>
-                </a:tc>
-                <a:tc>
-                  <a:txBody>
-                    <a:bodyPr/>
-                    <a:lstStyle/>
-                    <a:p>
-                      <a:pPr latinLnBrk="1"/>
-                      <a:endParaRPr lang="ko-KR" altLang="en-US"/>
-                    </a:p>
-                  </a:txBody>
-                  <a:tcPr/>
-                </a:tc>
-                <a:tc>
-                  <a:txBody>
-                    <a:bodyPr/>
-                    <a:lstStyle/>
-                    <a:p>
-                      <a:pPr latinLnBrk="1"/>
-                      <a:r>
-                        <a:rPr lang="ko-KR" altLang="en-US" dirty="0"/>
-                        <a:t>추가 무기</a:t>
-                      </a:r>
-                    </a:p>
-                  </a:txBody>
-                  <a:tcPr/>
-                </a:tc>
-                <a:extLst>
-                  <a:ext uri="{0D108BD9-81ED-4DB2-BD59-A6C34878D82A}">
-                    <a16:rowId xmlns:a16="http://schemas.microsoft.com/office/drawing/2014/main" val="2206439524"/>
-                  </a:ext>
-                </a:extLst>
-              </a:tr>
-            </a:tbl>
-          </a:graphicData>
-        </a:graphic>
-      </p:graphicFrame>
+          </p:nvPr>
+        </p:nvSpPr>
+        <p:spPr>
+          <a:xfrm>
+            <a:off x="1261872" y="1828800"/>
+            <a:ext cx="8595360" cy="979055"/>
+          </a:xfrm>
+        </p:spPr>
+        <p:txBody>
+          <a:bodyPr/>
+          <a:lstStyle/>
+          <a:p>
+            <a:r>
+              <a:rPr lang="ko-KR" altLang="en-US" dirty="0"/>
+              <a:t>무기도 필요한 클래스들을 만들어주었으며</a:t>
+            </a:r>
+            <a:r>
+              <a:rPr lang="en-US" altLang="ko-KR" dirty="0"/>
+              <a:t>, </a:t>
+            </a:r>
+            <a:r>
+              <a:rPr lang="ko-KR" altLang="en-US" dirty="0"/>
+              <a:t>원거리 무기 같은 경우엔 오브젝트 </a:t>
+            </a:r>
+            <a:r>
+              <a:rPr lang="ko-KR" altLang="en-US" dirty="0" err="1"/>
+              <a:t>풀링을</a:t>
+            </a:r>
+            <a:r>
+              <a:rPr lang="ko-KR" altLang="en-US" dirty="0"/>
+              <a:t> 사용하여 화살을 발사하였고</a:t>
+            </a:r>
+            <a:r>
+              <a:rPr lang="en-US" altLang="ko-KR" dirty="0"/>
+              <a:t>, </a:t>
+            </a:r>
+            <a:r>
+              <a:rPr lang="ko-KR" altLang="en-US" dirty="0"/>
+              <a:t>화살이 각각 벽과 몬스터에게 충돌 했을 시 행동을 다르게 하여 처리하였다</a:t>
+            </a:r>
+            <a:r>
+              <a:rPr lang="en-US" altLang="ko-KR" dirty="0"/>
+              <a:t>.</a:t>
+            </a:r>
+            <a:endParaRPr lang="ko-KR" altLang="en-US" dirty="0"/>
+          </a:p>
+        </p:txBody>
+      </p:sp>
+      <p:pic>
+        <p:nvPicPr>
+          <p:cNvPr id="5" name="그림 4" descr="텍스트, 스크린샷, 폰트이(가) 표시된 사진&#10;&#10;자동 생성된 설명">
+            <a:extLst>
+              <a:ext uri="{FF2B5EF4-FFF2-40B4-BE49-F238E27FC236}">
+                <a16:creationId xmlns:a16="http://schemas.microsoft.com/office/drawing/2014/main" id="{9E349C37-CB7F-C913-CD72-3EB3F376BB7C}"/>
+              </a:ext>
+            </a:extLst>
+          </p:cNvPr>
+          <p:cNvPicPr>
+            <a:picLocks noChangeAspect="1"/>
+          </p:cNvPicPr>
+          <p:nvPr/>
+        </p:nvPicPr>
+        <p:blipFill>
+          <a:blip r:embed="rId2">
+            <a:extLst>
+              <a:ext uri="{28A0092B-C50C-407E-A947-70E740481C1C}">
+                <a14:useLocalDpi xmlns:a14="http://schemas.microsoft.com/office/drawing/2010/main" val="0"/>
+              </a:ext>
+            </a:extLst>
+          </a:blip>
+          <a:stretch>
+            <a:fillRect/>
+          </a:stretch>
+        </p:blipFill>
+        <p:spPr>
+          <a:xfrm>
+            <a:off x="900490" y="3301657"/>
+            <a:ext cx="2133710" cy="2101958"/>
+          </a:xfrm>
+          <a:prstGeom prst="rect">
+            <a:avLst/>
+          </a:prstGeom>
+        </p:spPr>
+      </p:pic>
+      <p:pic>
+        <p:nvPicPr>
+          <p:cNvPr id="7" name="그림 6" descr="텍스트, 스크린샷, 폰트이(가) 표시된 사진&#10;&#10;자동 생성된 설명">
+            <a:extLst>
+              <a:ext uri="{FF2B5EF4-FFF2-40B4-BE49-F238E27FC236}">
+                <a16:creationId xmlns:a16="http://schemas.microsoft.com/office/drawing/2014/main" id="{80EE488E-644C-C2D4-C893-4AAB9C1AF7C8}"/>
+              </a:ext>
+            </a:extLst>
+          </p:cNvPr>
+          <p:cNvPicPr>
+            <a:picLocks noChangeAspect="1"/>
+          </p:cNvPicPr>
+          <p:nvPr/>
+        </p:nvPicPr>
+        <p:blipFill>
+          <a:blip r:embed="rId3">
+            <a:extLst>
+              <a:ext uri="{28A0092B-C50C-407E-A947-70E740481C1C}">
+                <a14:useLocalDpi xmlns:a14="http://schemas.microsoft.com/office/drawing/2010/main" val="0"/>
+              </a:ext>
+            </a:extLst>
+          </a:blip>
+          <a:stretch>
+            <a:fillRect/>
+          </a:stretch>
+        </p:blipFill>
+        <p:spPr>
+          <a:xfrm>
+            <a:off x="3364851" y="3851822"/>
+            <a:ext cx="2743341" cy="1149409"/>
+          </a:xfrm>
+          <a:prstGeom prst="rect">
+            <a:avLst/>
+          </a:prstGeom>
+        </p:spPr>
+      </p:pic>
+      <p:pic>
+        <p:nvPicPr>
+          <p:cNvPr id="9" name="그림 8" descr="텍스트, 스크린샷, 소프트웨어, 디스플레이이(가) 표시된 사진&#10;&#10;자동 생성된 설명">
+            <a:extLst>
+              <a:ext uri="{FF2B5EF4-FFF2-40B4-BE49-F238E27FC236}">
+                <a16:creationId xmlns:a16="http://schemas.microsoft.com/office/drawing/2014/main" id="{640C2108-89EF-1910-6B9A-C5F47F4460BF}"/>
+              </a:ext>
+            </a:extLst>
+          </p:cNvPr>
+          <p:cNvPicPr>
+            <a:picLocks noChangeAspect="1"/>
+          </p:cNvPicPr>
+          <p:nvPr/>
+        </p:nvPicPr>
+        <p:blipFill>
+          <a:blip r:embed="rId4">
+            <a:extLst>
+              <a:ext uri="{28A0092B-C50C-407E-A947-70E740481C1C}">
+                <a14:useLocalDpi xmlns:a14="http://schemas.microsoft.com/office/drawing/2010/main" val="0"/>
+              </a:ext>
+            </a:extLst>
+          </a:blip>
+          <a:stretch>
+            <a:fillRect/>
+          </a:stretch>
+        </p:blipFill>
+        <p:spPr>
+          <a:xfrm>
+            <a:off x="6289696" y="2756796"/>
+            <a:ext cx="4640431" cy="3847919"/>
+          </a:xfrm>
+          <a:prstGeom prst="rect">
+            <a:avLst/>
+          </a:prstGeom>
+        </p:spPr>
+      </p:pic>
     </p:spTree>
     <p:extLst>
       <p:ext uri="{BB962C8B-B14F-4D97-AF65-F5344CB8AC3E}">
-        <p14:creationId xmlns:p14="http://schemas.microsoft.com/office/powerpoint/2010/main" val="2571699313"/>
+        <p14:creationId xmlns:p14="http://schemas.microsoft.com/office/powerpoint/2010/main" val="2924371448"/>
       </p:ext>
     </p:extLst>
   </p:cSld>
@@ -4845,7 +4560,13 @@
   <p:cSld>
     <p:spTree>
       <p:nvGrpSpPr>
-        <p:cNvPr id="1" name=""/>
+        <p:cNvPr id="1" name="">
+          <a:extLst>
+            <a:ext uri="{FF2B5EF4-FFF2-40B4-BE49-F238E27FC236}">
+              <a16:creationId xmlns:a16="http://schemas.microsoft.com/office/drawing/2014/main" id="{39E2E0B6-4397-2E2D-54E8-21DEB02590B0}"/>
+            </a:ext>
+          </a:extLst>
+        </p:cNvPr>
         <p:cNvGrpSpPr/>
         <p:nvPr/>
       </p:nvGrpSpPr>
@@ -4862,7 +4583,7 @@
           <p:cNvPr id="2" name="제목 1">
             <a:extLst>
               <a:ext uri="{FF2B5EF4-FFF2-40B4-BE49-F238E27FC236}">
-                <a16:creationId xmlns:a16="http://schemas.microsoft.com/office/drawing/2014/main" id="{85BF1289-27EB-44B3-D298-D1497944353D}"/>
+                <a16:creationId xmlns:a16="http://schemas.microsoft.com/office/drawing/2014/main" id="{088ED972-A1D1-FDD7-420C-56D49A3DC6E7}"/>
               </a:ext>
             </a:extLst>
           </p:cNvPr>
@@ -4873,61 +4594,85 @@
             <p:ph type="title"/>
           </p:nvPr>
         </p:nvSpPr>
-        <p:spPr/>
+        <p:spPr>
+          <a:xfrm>
+            <a:off x="1261872" y="329426"/>
+            <a:ext cx="9692640" cy="1325562"/>
+          </a:xfrm>
+        </p:spPr>
         <p:txBody>
           <a:bodyPr/>
           <a:lstStyle/>
           <a:p>
             <a:r>
               <a:rPr lang="ko-KR" altLang="en-US" dirty="0"/>
-              <a:t>개발 과정 </a:t>
+              <a:t>잘한 점 </a:t>
             </a:r>
             <a:r>
               <a:rPr lang="en-US" altLang="ko-KR" dirty="0"/>
-              <a:t>– </a:t>
-            </a:r>
-            <a:r>
-              <a:rPr lang="ko-KR" altLang="en-US" dirty="0" err="1"/>
+              <a:t>- </a:t>
+            </a:r>
+            <a:r>
+              <a:rPr lang="ko-KR" altLang="en-US" dirty="0"/>
               <a:t>민지규</a:t>
             </a:r>
-            <a:endParaRPr lang="ko-KR" altLang="en-US" dirty="0"/>
-          </a:p>
-        </p:txBody>
-      </p:sp>
-      <p:pic>
-        <p:nvPicPr>
-          <p:cNvPr id="9" name="그림 8">
+          </a:p>
+        </p:txBody>
+      </p:sp>
+      <p:sp>
+        <p:nvSpPr>
+          <p:cNvPr id="3" name="내용 개체 틀 2">
             <a:extLst>
               <a:ext uri="{FF2B5EF4-FFF2-40B4-BE49-F238E27FC236}">
-                <a16:creationId xmlns:a16="http://schemas.microsoft.com/office/drawing/2014/main" id="{7B1BDF5E-4083-304F-299D-946724BA4CA9}"/>
+                <a16:creationId xmlns:a16="http://schemas.microsoft.com/office/drawing/2014/main" id="{425D50EE-1265-25FC-0A9B-41C3CE97B77F}"/>
               </a:ext>
             </a:extLst>
           </p:cNvPr>
-          <p:cNvPicPr>
-            <a:picLocks noChangeAspect="1"/>
-          </p:cNvPicPr>
-          <p:nvPr/>
-        </p:nvPicPr>
-        <p:blipFill>
-          <a:blip r:embed="rId2"/>
-          <a:stretch>
-            <a:fillRect/>
-          </a:stretch>
-        </p:blipFill>
-        <p:spPr>
-          <a:xfrm>
-            <a:off x="1657350" y="1862703"/>
-            <a:ext cx="8086714" cy="4543812"/>
-          </a:xfrm>
-          <a:prstGeom prst="rect">
-            <a:avLst/>
-          </a:prstGeom>
-        </p:spPr>
-      </p:pic>
+          <p:cNvSpPr>
+            <a:spLocks noGrp="1"/>
+          </p:cNvSpPr>
+          <p:nvPr>
+            <p:ph idx="1"/>
+          </p:nvPr>
+        </p:nvSpPr>
+        <p:spPr/>
+        <p:txBody>
+          <a:bodyPr/>
+          <a:lstStyle/>
+          <a:p>
+            <a:r>
+              <a:rPr lang="ko-KR" altLang="en-US" dirty="0"/>
+              <a:t>목표로 했던 대부분의 구현은 완료했음</a:t>
+            </a:r>
+            <a:endParaRPr lang="en-US" altLang="ko-KR" dirty="0"/>
+          </a:p>
+          <a:p>
+            <a:r>
+              <a:rPr lang="ko-KR" altLang="en-US" dirty="0"/>
+              <a:t>몬스터 행동 패턴을 상태 기반 패턴으로 구현해 보았음</a:t>
+            </a:r>
+            <a:endParaRPr lang="en-US" altLang="ko-KR" dirty="0"/>
+          </a:p>
+          <a:p>
+            <a:r>
+              <a:rPr lang="ko-KR" altLang="en-US" dirty="0"/>
+              <a:t>몬스터 </a:t>
+            </a:r>
+            <a:r>
+              <a:rPr lang="en-US" altLang="ko-KR" dirty="0"/>
+              <a:t>AI </a:t>
+            </a:r>
+            <a:r>
+              <a:rPr lang="ko-KR" altLang="en-US" dirty="0"/>
+              <a:t>행동 별 충돌처리 처리를 구현해 보았음</a:t>
+            </a:r>
+          </a:p>
+        </p:txBody>
+      </p:sp>
     </p:spTree>
     <p:extLst>
       <p:ext uri="{BB962C8B-B14F-4D97-AF65-F5344CB8AC3E}">
-        <p14:creationId xmlns:p14="http://schemas.microsoft.com/office/powerpoint/2010/main" val="1174075548"/>
+        <p14:creationId xmlns:p14="http://schemas.microsoft.com/office/powerpoint/2010/main" val="827499903"/>
       </p:ext>
     </p:extLst>
   </p:cSld>
@@ -4945,7 +4690,7 @@
         <p:cNvPr id="1" name="">
           <a:extLst>
             <a:ext uri="{FF2B5EF4-FFF2-40B4-BE49-F238E27FC236}">
-              <a16:creationId xmlns:a16="http://schemas.microsoft.com/office/drawing/2014/main" id="{F16FC5CE-64A2-CF6F-986B-1642393D50F5}"/>
+              <a16:creationId xmlns:a16="http://schemas.microsoft.com/office/drawing/2014/main" id="{63FBC2BD-9AAB-85BD-77EC-1337D6ABE2B7}"/>
             </a:ext>
           </a:extLst>
         </p:cNvPr>
@@ -4965,7 +4710,7 @@
           <p:cNvPr id="2" name="제목 1">
             <a:extLst>
               <a:ext uri="{FF2B5EF4-FFF2-40B4-BE49-F238E27FC236}">
-                <a16:creationId xmlns:a16="http://schemas.microsoft.com/office/drawing/2014/main" id="{CAAFC7F5-0758-51BD-178E-1A71F6CA25D6}"/>
+                <a16:creationId xmlns:a16="http://schemas.microsoft.com/office/drawing/2014/main" id="{7AB1B0FC-0870-2D9B-21ED-FF9533E0BB64}"/>
               </a:ext>
             </a:extLst>
           </p:cNvPr>
@@ -4983,715 +4728,79 @@
           <a:p>
             <a:r>
               <a:rPr lang="ko-KR" altLang="en-US" dirty="0"/>
-              <a:t>개발 과정 </a:t>
+              <a:t>아쉬운 점 </a:t>
             </a:r>
             <a:r>
               <a:rPr lang="en-US" altLang="ko-KR" dirty="0"/>
-              <a:t>– </a:t>
-            </a:r>
-            <a:r>
-              <a:rPr lang="ko-KR" altLang="en-US" dirty="0" err="1"/>
-              <a:t>박지광</a:t>
-            </a:r>
-            <a:endParaRPr lang="ko-KR" altLang="en-US" dirty="0"/>
-          </a:p>
-        </p:txBody>
-      </p:sp>
-      <p:pic>
-        <p:nvPicPr>
-          <p:cNvPr id="5" name="내용 개체 틀 4">
+              <a:t>- </a:t>
+            </a:r>
+            <a:r>
+              <a:rPr lang="ko-KR" altLang="en-US" dirty="0"/>
+              <a:t>민지규</a:t>
+            </a:r>
+          </a:p>
+        </p:txBody>
+      </p:sp>
+      <p:sp>
+        <p:nvSpPr>
+          <p:cNvPr id="3" name="내용 개체 틀 2">
             <a:extLst>
               <a:ext uri="{FF2B5EF4-FFF2-40B4-BE49-F238E27FC236}">
-                <a16:creationId xmlns:a16="http://schemas.microsoft.com/office/drawing/2014/main" id="{B3D32009-A85F-AA71-D211-80DF0C1EFDF7}"/>
+                <a16:creationId xmlns:a16="http://schemas.microsoft.com/office/drawing/2014/main" id="{C8EE11C1-B93A-F0CF-4BB8-66F845DE35FF}"/>
               </a:ext>
             </a:extLst>
           </p:cNvPr>
-          <p:cNvPicPr>
-            <a:picLocks noGrp="1" noChangeAspect="1"/>
-          </p:cNvPicPr>
+          <p:cNvSpPr>
+            <a:spLocks noGrp="1"/>
+          </p:cNvSpPr>
           <p:nvPr>
             <p:ph idx="1"/>
           </p:nvPr>
-        </p:nvPicPr>
-        <p:blipFill>
-          <a:blip r:embed="rId2"/>
-          <a:stretch>
-            <a:fillRect/>
-          </a:stretch>
-        </p:blipFill>
-        <p:spPr>
-          <a:xfrm>
-            <a:off x="1339350" y="1963738"/>
-            <a:ext cx="8592551" cy="4081462"/>
-          </a:xfrm>
-        </p:spPr>
-      </p:pic>
+        </p:nvSpPr>
+        <p:spPr/>
+        <p:txBody>
+          <a:bodyPr/>
+          <a:lstStyle/>
+          <a:p>
+            <a:r>
+              <a:rPr lang="ko-KR" altLang="en-US" dirty="0"/>
+              <a:t>몬스터  </a:t>
+            </a:r>
+            <a:r>
+              <a:rPr lang="en-US" altLang="ko-KR" dirty="0"/>
+              <a:t>AI </a:t>
+            </a:r>
+            <a:r>
+              <a:rPr lang="ko-KR" altLang="en-US" dirty="0"/>
+              <a:t>행동 별 충돌처리 처리를 구현 하느라 시간을 많이 소모했음</a:t>
+            </a:r>
+            <a:endParaRPr lang="en-US" altLang="ko-KR" dirty="0"/>
+          </a:p>
+          <a:p>
+            <a:r>
+              <a:rPr lang="ko-KR" altLang="en-US" dirty="0"/>
+              <a:t>생각보다 몬스터와 무기에 디테일 적인 요소들이 많은데</a:t>
+            </a:r>
+            <a:r>
+              <a:rPr lang="en-US" altLang="ko-KR" dirty="0"/>
+              <a:t>, </a:t>
+            </a:r>
+            <a:r>
+              <a:rPr lang="ko-KR" altLang="en-US" dirty="0"/>
+              <a:t>이를 세세하게 구현하지 못한 점이 아쉬움</a:t>
+            </a:r>
+            <a:r>
+              <a:rPr lang="en-US" altLang="ko-KR" dirty="0"/>
+              <a:t>.</a:t>
+            </a:r>
+            <a:endParaRPr lang="ko-KR" altLang="en-US" dirty="0"/>
+          </a:p>
+        </p:txBody>
+      </p:sp>
     </p:spTree>
     <p:extLst>
       <p:ext uri="{BB962C8B-B14F-4D97-AF65-F5344CB8AC3E}">
-        <p14:creationId xmlns:p14="http://schemas.microsoft.com/office/powerpoint/2010/main" val="246994812"/>
-      </p:ext>
-    </p:extLst>
-  </p:cSld>
-  <p:clrMapOvr>
-    <a:masterClrMapping/>
-  </p:clrMapOvr>
-</p:sld>
-</file>
-
-<file path=ppt/slides/slide7.xml><?xml version="1.0" encoding="utf-8"?>
-<p:sld xmlns:a="http://schemas.openxmlformats.org/drawingml/2006/main" xmlns:r="http://schemas.openxmlformats.org/officeDocument/2006/relationships" xmlns:p="http://schemas.openxmlformats.org/presentationml/2006/main">
-  <p:cSld>
-    <p:spTree>
-      <p:nvGrpSpPr>
-        <p:cNvPr id="1" name="">
-          <a:extLst>
-            <a:ext uri="{FF2B5EF4-FFF2-40B4-BE49-F238E27FC236}">
-              <a16:creationId xmlns:a16="http://schemas.microsoft.com/office/drawing/2014/main" id="{D120A0F8-5A31-E0D3-72D1-A7CE3EFE922B}"/>
-            </a:ext>
-          </a:extLst>
-        </p:cNvPr>
-        <p:cNvGrpSpPr/>
-        <p:nvPr/>
-      </p:nvGrpSpPr>
-      <p:grpSpPr>
-        <a:xfrm>
-          <a:off x="0" y="0"/>
-          <a:ext cx="0" cy="0"/>
-          <a:chOff x="0" y="0"/>
-          <a:chExt cx="0" cy="0"/>
-        </a:xfrm>
-      </p:grpSpPr>
-      <p:sp>
-        <p:nvSpPr>
-          <p:cNvPr id="2" name="제목 1">
-            <a:extLst>
-              <a:ext uri="{FF2B5EF4-FFF2-40B4-BE49-F238E27FC236}">
-                <a16:creationId xmlns:a16="http://schemas.microsoft.com/office/drawing/2014/main" id="{53F4EEEB-DFAB-02C3-2888-D0178DBA2095}"/>
-              </a:ext>
-            </a:extLst>
-          </p:cNvPr>
-          <p:cNvSpPr>
-            <a:spLocks noGrp="1"/>
-          </p:cNvSpPr>
-          <p:nvPr>
-            <p:ph type="title"/>
-          </p:nvPr>
-        </p:nvSpPr>
-        <p:spPr/>
-        <p:txBody>
-          <a:bodyPr/>
-          <a:lstStyle/>
-          <a:p>
-            <a:r>
-              <a:rPr lang="ko-KR" altLang="en-US" dirty="0"/>
-              <a:t>개발 과정 </a:t>
-            </a:r>
-            <a:r>
-              <a:rPr lang="en-US" altLang="ko-KR" dirty="0"/>
-              <a:t>– </a:t>
-            </a:r>
-            <a:r>
-              <a:rPr lang="ko-KR" altLang="en-US" dirty="0"/>
-              <a:t>황규영</a:t>
-            </a:r>
-          </a:p>
-        </p:txBody>
-      </p:sp>
-      <p:pic>
-        <p:nvPicPr>
-          <p:cNvPr id="5" name="내용 개체 틀 4">
-            <a:extLst>
-              <a:ext uri="{FF2B5EF4-FFF2-40B4-BE49-F238E27FC236}">
-                <a16:creationId xmlns:a16="http://schemas.microsoft.com/office/drawing/2014/main" id="{167F5CF7-CAA4-0CF4-49FA-D9058E9FAB32}"/>
-              </a:ext>
-            </a:extLst>
-          </p:cNvPr>
-          <p:cNvPicPr>
-            <a:picLocks noGrp="1" noChangeAspect="1"/>
-          </p:cNvPicPr>
-          <p:nvPr>
-            <p:ph idx="1"/>
-          </p:nvPr>
-        </p:nvPicPr>
-        <p:blipFill>
-          <a:blip r:embed="rId2"/>
-          <a:stretch>
-            <a:fillRect/>
-          </a:stretch>
-        </p:blipFill>
-        <p:spPr>
-          <a:xfrm>
-            <a:off x="2030848" y="1828800"/>
-            <a:ext cx="7057154" cy="4351338"/>
-          </a:xfrm>
-        </p:spPr>
-      </p:pic>
-    </p:spTree>
-    <p:extLst>
-      <p:ext uri="{BB962C8B-B14F-4D97-AF65-F5344CB8AC3E}">
-        <p14:creationId xmlns:p14="http://schemas.microsoft.com/office/powerpoint/2010/main" val="1445047430"/>
-      </p:ext>
-    </p:extLst>
-  </p:cSld>
-  <p:clrMapOvr>
-    <a:masterClrMapping/>
-  </p:clrMapOvr>
-</p:sld>
-</file>
-
-<file path=ppt/slides/slide8.xml><?xml version="1.0" encoding="utf-8"?>
-<p:sld xmlns:a="http://schemas.openxmlformats.org/drawingml/2006/main" xmlns:r="http://schemas.openxmlformats.org/officeDocument/2006/relationships" xmlns:p="http://schemas.openxmlformats.org/presentationml/2006/main">
-  <p:cSld>
-    <p:spTree>
-      <p:nvGrpSpPr>
-        <p:cNvPr id="1" name=""/>
-        <p:cNvGrpSpPr/>
-        <p:nvPr/>
-      </p:nvGrpSpPr>
-      <p:grpSpPr>
-        <a:xfrm>
-          <a:off x="0" y="0"/>
-          <a:ext cx="0" cy="0"/>
-          <a:chOff x="0" y="0"/>
-          <a:chExt cx="0" cy="0"/>
-        </a:xfrm>
-      </p:grpSpPr>
-      <p:sp>
-        <p:nvSpPr>
-          <p:cNvPr id="2" name="제목 1">
-            <a:extLst>
-              <a:ext uri="{FF2B5EF4-FFF2-40B4-BE49-F238E27FC236}">
-                <a16:creationId xmlns:a16="http://schemas.microsoft.com/office/drawing/2014/main" id="{1649AA7B-DA4A-BA85-7019-5E387CB348C6}"/>
-              </a:ext>
-            </a:extLst>
-          </p:cNvPr>
-          <p:cNvSpPr>
-            <a:spLocks noGrp="1"/>
-          </p:cNvSpPr>
-          <p:nvPr>
-            <p:ph type="title"/>
-          </p:nvPr>
-        </p:nvSpPr>
-        <p:spPr/>
-        <p:txBody>
-          <a:bodyPr/>
-          <a:lstStyle/>
-          <a:p>
-            <a:r>
-              <a:rPr lang="ko-KR" altLang="en-US" dirty="0"/>
-              <a:t>구현 내용</a:t>
-            </a:r>
-          </a:p>
-        </p:txBody>
-      </p:sp>
-      <p:sp>
-        <p:nvSpPr>
-          <p:cNvPr id="3" name="내용 개체 틀 2">
-            <a:extLst>
-              <a:ext uri="{FF2B5EF4-FFF2-40B4-BE49-F238E27FC236}">
-                <a16:creationId xmlns:a16="http://schemas.microsoft.com/office/drawing/2014/main" id="{F8764790-B41E-4D0A-224E-5E6B9C3890EF}"/>
-              </a:ext>
-            </a:extLst>
-          </p:cNvPr>
-          <p:cNvSpPr>
-            <a:spLocks noGrp="1"/>
-          </p:cNvSpPr>
-          <p:nvPr>
-            <p:ph idx="1"/>
-          </p:nvPr>
-        </p:nvSpPr>
-        <p:spPr/>
-        <p:txBody>
-          <a:bodyPr/>
-          <a:lstStyle/>
-          <a:p>
-            <a:r>
-              <a:rPr lang="ko-KR" altLang="en-US" dirty="0"/>
-              <a:t>아아</a:t>
-            </a:r>
-          </a:p>
-          <a:p>
-            <a:pPr lvl="1"/>
-            <a:r>
-              <a:rPr lang="ko-KR" altLang="en-US" dirty="0"/>
-              <a:t>아아</a:t>
-            </a:r>
-            <a:endParaRPr lang="en-US" altLang="ko-KR" dirty="0"/>
-          </a:p>
-        </p:txBody>
-      </p:sp>
-    </p:spTree>
-    <p:extLst>
-      <p:ext uri="{BB962C8B-B14F-4D97-AF65-F5344CB8AC3E}">
-        <p14:creationId xmlns:p14="http://schemas.microsoft.com/office/powerpoint/2010/main" val="2184540906"/>
-      </p:ext>
-    </p:extLst>
-  </p:cSld>
-  <p:clrMapOvr>
-    <a:masterClrMapping/>
-  </p:clrMapOvr>
-</p:sld>
-</file>
-
-<file path=ppt/slides/slide9.xml><?xml version="1.0" encoding="utf-8"?>
-<p:sld xmlns:a="http://schemas.openxmlformats.org/drawingml/2006/main" xmlns:r="http://schemas.openxmlformats.org/officeDocument/2006/relationships" xmlns:p="http://schemas.openxmlformats.org/presentationml/2006/main">
-  <p:cSld>
-    <p:spTree>
-      <p:nvGrpSpPr>
-        <p:cNvPr id="1" name=""/>
-        <p:cNvGrpSpPr/>
-        <p:nvPr/>
-      </p:nvGrpSpPr>
-      <p:grpSpPr>
-        <a:xfrm>
-          <a:off x="0" y="0"/>
-          <a:ext cx="0" cy="0"/>
-          <a:chOff x="0" y="0"/>
-          <a:chExt cx="0" cy="0"/>
-        </a:xfrm>
-      </p:grpSpPr>
-      <p:sp>
-        <p:nvSpPr>
-          <p:cNvPr id="2" name="제목 1">
-            <a:extLst>
-              <a:ext uri="{FF2B5EF4-FFF2-40B4-BE49-F238E27FC236}">
-                <a16:creationId xmlns:a16="http://schemas.microsoft.com/office/drawing/2014/main" id="{EDA8DB17-7539-0EF3-E9C8-F2244548F708}"/>
-              </a:ext>
-            </a:extLst>
-          </p:cNvPr>
-          <p:cNvSpPr>
-            <a:spLocks noGrp="1"/>
-          </p:cNvSpPr>
-          <p:nvPr>
-            <p:ph type="title"/>
-          </p:nvPr>
-        </p:nvSpPr>
-        <p:spPr/>
-        <p:txBody>
-          <a:bodyPr/>
-          <a:lstStyle/>
-          <a:p>
-            <a:r>
-              <a:rPr lang="ko-KR" altLang="en-US" dirty="0"/>
-              <a:t>잘한 점 </a:t>
-            </a:r>
-            <a:r>
-              <a:rPr lang="en-US" altLang="ko-KR" dirty="0"/>
-              <a:t>– </a:t>
-            </a:r>
-            <a:r>
-              <a:rPr lang="ko-KR" altLang="en-US" dirty="0"/>
-              <a:t>팀</a:t>
-            </a:r>
-          </a:p>
-        </p:txBody>
-      </p:sp>
-      <p:sp>
-        <p:nvSpPr>
-          <p:cNvPr id="3" name="내용 개체 틀 2">
-            <a:extLst>
-              <a:ext uri="{FF2B5EF4-FFF2-40B4-BE49-F238E27FC236}">
-                <a16:creationId xmlns:a16="http://schemas.microsoft.com/office/drawing/2014/main" id="{27A526C7-6A5C-8A0A-1DD1-0D71594327FC}"/>
-              </a:ext>
-            </a:extLst>
-          </p:cNvPr>
-          <p:cNvSpPr>
-            <a:spLocks noGrp="1"/>
-          </p:cNvSpPr>
-          <p:nvPr>
-            <p:ph idx="1"/>
-          </p:nvPr>
-        </p:nvSpPr>
-        <p:spPr>
-          <a:xfrm>
-            <a:off x="1261872" y="1828800"/>
-            <a:ext cx="8595360" cy="1502875"/>
-          </a:xfrm>
-        </p:spPr>
-        <p:txBody>
-          <a:bodyPr>
-            <a:normAutofit/>
-          </a:bodyPr>
-          <a:lstStyle/>
-          <a:p>
-            <a:r>
-              <a:rPr lang="ko-KR" altLang="en-US" dirty="0"/>
-              <a:t>깃으로 협업을 하면서 큰 문제가 발생하지 않음</a:t>
-            </a:r>
-            <a:endParaRPr lang="en-US" altLang="ko-KR" dirty="0"/>
-          </a:p>
-          <a:p>
-            <a:r>
-              <a:rPr lang="ko-KR" altLang="en-US" dirty="0"/>
-              <a:t>모두 같이 협동심 있게 작업함</a:t>
-            </a:r>
-            <a:endParaRPr lang="en-US" altLang="ko-KR" dirty="0"/>
-          </a:p>
-          <a:p>
-            <a:r>
-              <a:rPr lang="ko-KR" altLang="en-US" dirty="0"/>
-              <a:t>작업 분담 및 분담 파트에 대한 존중을 함</a:t>
-            </a:r>
-            <a:endParaRPr lang="en-US" altLang="ko-KR" dirty="0"/>
-          </a:p>
-          <a:p>
-            <a:endParaRPr lang="en-US" altLang="ko-KR" dirty="0"/>
-          </a:p>
-        </p:txBody>
-      </p:sp>
-      <p:sp>
-        <p:nvSpPr>
-          <p:cNvPr id="6" name="제목 1">
-            <a:extLst>
-              <a:ext uri="{FF2B5EF4-FFF2-40B4-BE49-F238E27FC236}">
-                <a16:creationId xmlns:a16="http://schemas.microsoft.com/office/drawing/2014/main" id="{226A3D37-7F4F-2E29-BFCD-C23D16A6CDE0}"/>
-              </a:ext>
-            </a:extLst>
-          </p:cNvPr>
-          <p:cNvSpPr txBox="1">
-            <a:spLocks/>
-          </p:cNvSpPr>
-          <p:nvPr/>
-        </p:nvSpPr>
-        <p:spPr>
-          <a:xfrm>
-            <a:off x="1261872" y="2926381"/>
-            <a:ext cx="9692640" cy="1325562"/>
-          </a:xfrm>
-          <a:prstGeom prst="rect">
-            <a:avLst/>
-          </a:prstGeom>
-        </p:spPr>
-        <p:txBody>
-          <a:bodyPr vert="horz" lIns="91440" tIns="45720" rIns="91440" bIns="45720" rtlCol="0" anchor="b">
-            <a:normAutofit/>
-          </a:bodyPr>
-          <a:lstStyle>
-            <a:lvl1pPr algn="l" defTabSz="914400" rtl="0" eaLnBrk="1" latinLnBrk="1" hangingPunct="1">
-              <a:lnSpc>
-                <a:spcPct val="90000"/>
-              </a:lnSpc>
-              <a:spcBef>
-                <a:spcPct val="0"/>
-              </a:spcBef>
-              <a:buNone/>
-              <a:defRPr sz="4400" kern="1200" spc="-50" baseline="0">
-                <a:solidFill>
-                  <a:schemeClr val="tx1"/>
-                </a:solidFill>
-                <a:latin typeface="+mj-lt"/>
-                <a:ea typeface="+mj-ea"/>
-                <a:cs typeface="+mj-cs"/>
-              </a:defRPr>
-            </a:lvl1pPr>
-          </a:lstStyle>
-          <a:p>
-            <a:r>
-              <a:rPr lang="ko-KR" altLang="en-US" dirty="0"/>
-              <a:t>아쉬운 점 </a:t>
-            </a:r>
-            <a:r>
-              <a:rPr lang="en-US" altLang="ko-KR" dirty="0"/>
-              <a:t>– </a:t>
-            </a:r>
-            <a:r>
-              <a:rPr lang="ko-KR" altLang="en-US" dirty="0"/>
-              <a:t>팀</a:t>
-            </a:r>
-          </a:p>
-        </p:txBody>
-      </p:sp>
-      <p:sp>
-        <p:nvSpPr>
-          <p:cNvPr id="7" name="내용 개체 틀 2">
-            <a:extLst>
-              <a:ext uri="{FF2B5EF4-FFF2-40B4-BE49-F238E27FC236}">
-                <a16:creationId xmlns:a16="http://schemas.microsoft.com/office/drawing/2014/main" id="{FCD82384-87D2-8B68-0CB0-29FBAA93383F}"/>
-              </a:ext>
-            </a:extLst>
-          </p:cNvPr>
-          <p:cNvSpPr txBox="1">
-            <a:spLocks/>
-          </p:cNvSpPr>
-          <p:nvPr/>
-        </p:nvSpPr>
-        <p:spPr>
-          <a:xfrm>
-            <a:off x="1261872" y="4429256"/>
-            <a:ext cx="8595360" cy="2202707"/>
-          </a:xfrm>
-          <a:prstGeom prst="rect">
-            <a:avLst/>
-          </a:prstGeom>
-        </p:spPr>
-        <p:txBody>
-          <a:bodyPr vert="horz" lIns="91440" tIns="45720" rIns="91440" bIns="45720" rtlCol="0">
-            <a:normAutofit/>
-          </a:bodyPr>
-          <a:lstStyle>
-            <a:lvl1pPr marL="182880" indent="-182880" algn="l" defTabSz="914400" rtl="0" eaLnBrk="1" latinLnBrk="1" hangingPunct="1">
-              <a:lnSpc>
-                <a:spcPct val="95000"/>
-              </a:lnSpc>
-              <a:spcBef>
-                <a:spcPts val="1400"/>
-              </a:spcBef>
-              <a:spcAft>
-                <a:spcPts val="200"/>
-              </a:spcAft>
-              <a:buClr>
-                <a:schemeClr val="accent1"/>
-              </a:buClr>
-              <a:buSzPct val="80000"/>
-              <a:buFont typeface="Arial" pitchFamily="34" charset="0"/>
-              <a:buChar char="•"/>
-              <a:defRPr sz="1800" kern="1200" spc="10" baseline="0">
-                <a:solidFill>
-                  <a:schemeClr val="tx1"/>
-                </a:solidFill>
-                <a:latin typeface="+mn-lt"/>
-                <a:ea typeface="+mn-ea"/>
-                <a:cs typeface="+mn-cs"/>
-              </a:defRPr>
-            </a:lvl1pPr>
-            <a:lvl2pPr marL="457200" indent="-182880" algn="l" defTabSz="914400" rtl="0" eaLnBrk="1" latinLnBrk="1" hangingPunct="1">
-              <a:lnSpc>
-                <a:spcPct val="90000"/>
-              </a:lnSpc>
-              <a:spcBef>
-                <a:spcPts val="300"/>
-              </a:spcBef>
-              <a:spcAft>
-                <a:spcPts val="300"/>
-              </a:spcAft>
-              <a:buClr>
-                <a:schemeClr val="accent1"/>
-              </a:buClr>
-              <a:buFont typeface="Wingdings 2" pitchFamily="18" charset="2"/>
-              <a:buChar char=""/>
-              <a:defRPr sz="1600" kern="1200">
-                <a:solidFill>
-                  <a:schemeClr val="tx1">
-                    <a:lumMod val="85000"/>
-                    <a:lumOff val="15000"/>
-                  </a:schemeClr>
-                </a:solidFill>
-                <a:latin typeface="+mn-lt"/>
-                <a:ea typeface="+mn-ea"/>
-                <a:cs typeface="+mn-cs"/>
-              </a:defRPr>
-            </a:lvl2pPr>
-            <a:lvl3pPr marL="731520" indent="-182880" algn="l" defTabSz="914400" rtl="0" eaLnBrk="1" latinLnBrk="1" hangingPunct="1">
-              <a:lnSpc>
-                <a:spcPct val="90000"/>
-              </a:lnSpc>
-              <a:spcBef>
-                <a:spcPts val="300"/>
-              </a:spcBef>
-              <a:spcAft>
-                <a:spcPts val="300"/>
-              </a:spcAft>
-              <a:buClr>
-                <a:schemeClr val="accent1"/>
-              </a:buClr>
-              <a:buFont typeface="Wingdings 2" pitchFamily="18" charset="2"/>
-              <a:buChar char=""/>
-              <a:defRPr sz="1400" kern="1200">
-                <a:solidFill>
-                  <a:schemeClr val="tx1">
-                    <a:lumMod val="85000"/>
-                    <a:lumOff val="15000"/>
-                  </a:schemeClr>
-                </a:solidFill>
-                <a:latin typeface="+mn-lt"/>
-                <a:ea typeface="+mn-ea"/>
-                <a:cs typeface="+mn-cs"/>
-              </a:defRPr>
-            </a:lvl3pPr>
-            <a:lvl4pPr marL="1005840" indent="-182880" algn="l" defTabSz="914400" rtl="0" eaLnBrk="1" latinLnBrk="1" hangingPunct="1">
-              <a:lnSpc>
-                <a:spcPct val="90000"/>
-              </a:lnSpc>
-              <a:spcBef>
-                <a:spcPts val="300"/>
-              </a:spcBef>
-              <a:spcAft>
-                <a:spcPts val="300"/>
-              </a:spcAft>
-              <a:buClr>
-                <a:schemeClr val="accent1"/>
-              </a:buClr>
-              <a:buFont typeface="Wingdings 2" pitchFamily="18" charset="2"/>
-              <a:buChar char=""/>
-              <a:defRPr sz="1400" kern="1200">
-                <a:solidFill>
-                  <a:schemeClr val="tx1">
-                    <a:lumMod val="85000"/>
-                    <a:lumOff val="15000"/>
-                  </a:schemeClr>
-                </a:solidFill>
-                <a:latin typeface="+mn-lt"/>
-                <a:ea typeface="+mn-ea"/>
-                <a:cs typeface="+mn-cs"/>
-              </a:defRPr>
-            </a:lvl4pPr>
-            <a:lvl5pPr marL="1280160" indent="-182880" algn="l" defTabSz="914400" rtl="0" eaLnBrk="1" latinLnBrk="1" hangingPunct="1">
-              <a:lnSpc>
-                <a:spcPct val="90000"/>
-              </a:lnSpc>
-              <a:spcBef>
-                <a:spcPts val="300"/>
-              </a:spcBef>
-              <a:spcAft>
-                <a:spcPts val="300"/>
-              </a:spcAft>
-              <a:buClr>
-                <a:schemeClr val="accent1"/>
-              </a:buClr>
-              <a:buFont typeface="Wingdings 2" pitchFamily="18" charset="2"/>
-              <a:buChar char=""/>
-              <a:defRPr sz="1400" kern="1200">
-                <a:solidFill>
-                  <a:schemeClr val="tx1">
-                    <a:lumMod val="85000"/>
-                    <a:lumOff val="15000"/>
-                  </a:schemeClr>
-                </a:solidFill>
-                <a:latin typeface="+mn-lt"/>
-                <a:ea typeface="+mn-ea"/>
-                <a:cs typeface="+mn-cs"/>
-              </a:defRPr>
-            </a:lvl5pPr>
-            <a:lvl6pPr marL="1600000" indent="-228600" algn="l" defTabSz="914400" rtl="0" eaLnBrk="1" latinLnBrk="1" hangingPunct="1">
-              <a:lnSpc>
-                <a:spcPct val="90000"/>
-              </a:lnSpc>
-              <a:spcBef>
-                <a:spcPts val="300"/>
-              </a:spcBef>
-              <a:spcAft>
-                <a:spcPts val="300"/>
-              </a:spcAft>
-              <a:buClr>
-                <a:schemeClr val="accent1"/>
-              </a:buClr>
-              <a:buFont typeface="Wingdings 2" pitchFamily="18" charset="2"/>
-              <a:buChar char=""/>
-              <a:defRPr sz="1400" kern="1200">
-                <a:solidFill>
-                  <a:schemeClr val="tx1">
-                    <a:lumMod val="85000"/>
-                    <a:lumOff val="15000"/>
-                  </a:schemeClr>
-                </a:solidFill>
-                <a:latin typeface="+mn-lt"/>
-                <a:ea typeface="+mn-ea"/>
-                <a:cs typeface="+mn-cs"/>
-              </a:defRPr>
-            </a:lvl6pPr>
-            <a:lvl7pPr marL="1900000" indent="-228600" algn="l" defTabSz="914400" rtl="0" eaLnBrk="1" latinLnBrk="1" hangingPunct="1">
-              <a:lnSpc>
-                <a:spcPct val="90000"/>
-              </a:lnSpc>
-              <a:spcBef>
-                <a:spcPts val="300"/>
-              </a:spcBef>
-              <a:spcAft>
-                <a:spcPts val="300"/>
-              </a:spcAft>
-              <a:buClr>
-                <a:schemeClr val="accent1"/>
-              </a:buClr>
-              <a:buFont typeface="Wingdings 2" pitchFamily="18" charset="2"/>
-              <a:buChar char=""/>
-              <a:defRPr sz="1400" kern="1200">
-                <a:solidFill>
-                  <a:schemeClr val="tx1">
-                    <a:lumMod val="85000"/>
-                    <a:lumOff val="15000"/>
-                  </a:schemeClr>
-                </a:solidFill>
-                <a:latin typeface="+mn-lt"/>
-                <a:ea typeface="+mn-ea"/>
-                <a:cs typeface="+mn-cs"/>
-              </a:defRPr>
-            </a:lvl7pPr>
-            <a:lvl8pPr marL="2200000" indent="-228600" algn="l" defTabSz="914400" rtl="0" eaLnBrk="1" latinLnBrk="1" hangingPunct="1">
-              <a:lnSpc>
-                <a:spcPct val="90000"/>
-              </a:lnSpc>
-              <a:spcBef>
-                <a:spcPts val="300"/>
-              </a:spcBef>
-              <a:spcAft>
-                <a:spcPts val="300"/>
-              </a:spcAft>
-              <a:buClr>
-                <a:schemeClr val="accent1"/>
-              </a:buClr>
-              <a:buFont typeface="Wingdings 2" pitchFamily="18" charset="2"/>
-              <a:buChar char=""/>
-              <a:defRPr sz="1400" kern="1200">
-                <a:solidFill>
-                  <a:schemeClr val="tx1">
-                    <a:lumMod val="85000"/>
-                    <a:lumOff val="15000"/>
-                  </a:schemeClr>
-                </a:solidFill>
-                <a:latin typeface="+mn-lt"/>
-                <a:ea typeface="+mn-ea"/>
-                <a:cs typeface="+mn-cs"/>
-              </a:defRPr>
-            </a:lvl8pPr>
-            <a:lvl9pPr marL="2500000" indent="-228600" algn="l" defTabSz="914400" rtl="0" eaLnBrk="1" latinLnBrk="1" hangingPunct="1">
-              <a:lnSpc>
-                <a:spcPct val="90000"/>
-              </a:lnSpc>
-              <a:spcBef>
-                <a:spcPts val="300"/>
-              </a:spcBef>
-              <a:spcAft>
-                <a:spcPts val="300"/>
-              </a:spcAft>
-              <a:buClr>
-                <a:schemeClr val="accent1"/>
-              </a:buClr>
-              <a:buFont typeface="Wingdings 2" pitchFamily="18" charset="2"/>
-              <a:buChar char=""/>
-              <a:defRPr sz="1400" kern="1200">
-                <a:solidFill>
-                  <a:schemeClr val="tx1">
-                    <a:lumMod val="85000"/>
-                    <a:lumOff val="15000"/>
-                  </a:schemeClr>
-                </a:solidFill>
-                <a:latin typeface="+mn-lt"/>
-                <a:ea typeface="+mn-ea"/>
-                <a:cs typeface="+mn-cs"/>
-              </a:defRPr>
-            </a:lvl9pPr>
-          </a:lstStyle>
-          <a:p>
-            <a:r>
-              <a:rPr lang="ko-KR" altLang="en-US" dirty="0"/>
-              <a:t>작업 시간이 촉박하여 원작 기능 구현에 미흡한 점이 있음</a:t>
-            </a:r>
-            <a:endParaRPr lang="en-US" altLang="ko-KR" dirty="0"/>
-          </a:p>
-          <a:p>
-            <a:r>
-              <a:rPr lang="ko-KR" altLang="en-US" dirty="0"/>
-              <a:t>목표한 기능 중 미구현으로 남은 기능</a:t>
-            </a:r>
-            <a:endParaRPr lang="en-US" altLang="ko-KR" dirty="0"/>
-          </a:p>
-        </p:txBody>
-      </p:sp>
-    </p:spTree>
-    <p:extLst>
-      <p:ext uri="{BB962C8B-B14F-4D97-AF65-F5344CB8AC3E}">
-        <p14:creationId xmlns:p14="http://schemas.microsoft.com/office/powerpoint/2010/main" val="511770704"/>
+        <p14:creationId xmlns:p14="http://schemas.microsoft.com/office/powerpoint/2010/main" val="3846376203"/>
       </p:ext>
     </p:extLst>
   </p:cSld>
